--- a/ABC Finance Case Study - v2.pptx
+++ b/ABC Finance Case Study - v2.pptx
@@ -5,36 +5,37 @@
     <p:sldMasterId id="2147483659" r:id="rId1"/>
   </p:sldMasterIdLst>
   <p:notesMasterIdLst>
-    <p:notesMasterId r:id="rId6"/>
+    <p:notesMasterId r:id="rId7"/>
   </p:notesMasterIdLst>
   <p:sldIdLst>
-    <p:sldId id="258" r:id="rId2"/>
+    <p:sldId id="272" r:id="rId2"/>
     <p:sldId id="270" r:id="rId3"/>
     <p:sldId id="271" r:id="rId4"/>
     <p:sldId id="269" r:id="rId5"/>
+    <p:sldId id="258" r:id="rId6"/>
   </p:sldIdLst>
   <p:sldSz cx="9144000" cy="5143500" type="screen16x9"/>
   <p:notesSz cx="6858000" cy="9144000"/>
   <p:embeddedFontLst>
     <p:embeddedFont>
       <p:font typeface="Economica" charset="0"/>
-      <p:regular r:id="rId7"/>
-      <p:bold r:id="rId8"/>
-      <p:italic r:id="rId9"/>
-      <p:boldItalic r:id="rId10"/>
+      <p:regular r:id="rId8"/>
+      <p:bold r:id="rId9"/>
+      <p:italic r:id="rId10"/>
+      <p:boldItalic r:id="rId11"/>
     </p:embeddedFont>
     <p:embeddedFont>
       <p:font typeface="Calibri" pitchFamily="34" charset="0"/>
-      <p:regular r:id="rId11"/>
-      <p:bold r:id="rId12"/>
-      <p:italic r:id="rId13"/>
-      <p:boldItalic r:id="rId14"/>
+      <p:regular r:id="rId12"/>
+      <p:bold r:id="rId13"/>
+      <p:italic r:id="rId14"/>
+      <p:boldItalic r:id="rId15"/>
     </p:embeddedFont>
     <p:embeddedFont>
       <p:font typeface="Open Sans" pitchFamily="34" charset="0"/>
-      <p:regular r:id="rId15"/>
-      <p:bold r:id="rId16"/>
-      <p:italic r:id="rId17"/>
+      <p:regular r:id="rId16"/>
+      <p:bold r:id="rId17"/>
+      <p:italic r:id="rId18"/>
     </p:embeddedFont>
   </p:embeddedFontLst>
   <p:defaultTextStyle>
@@ -268,7 +269,7 @@
   </p:defaultTextStyle>
   <p:extLst>
     <p:ext uri="{EFAFB233-063F-42B5-8137-9DF3F51BA10A}">
-      <p15:sldGuideLst xmlns:p15="http://schemas.microsoft.com/office/powerpoint/2012/main" xmlns:p14="http://schemas.microsoft.com/office/powerpoint/2010/main" xmlns:com="http://schemas.openxmlformats.org/drawingml/2006/compatibility" xmlns:pvml="urn:schemas-microsoft-com:office:powerpoint" xmlns:v="urn:schemas-microsoft-com:vml" xmlns:o="urn:schemas-microsoft-com:office:office" xmlns:dgm="http://schemas.openxmlformats.org/drawingml/2006/diagram" xmlns:c="http://schemas.openxmlformats.org/drawingml/2006/chart" xmlns:mv="urn:schemas-microsoft-com:mac:vml" xmlns:mc="http://schemas.openxmlformats.org/markup-compatibility/2006" xmlns="">
+      <p15:sldGuideLst xmlns="" xmlns:mc="http://schemas.openxmlformats.org/markup-compatibility/2006" xmlns:mv="urn:schemas-microsoft-com:mac:vml" xmlns:c="http://schemas.openxmlformats.org/drawingml/2006/chart" xmlns:dgm="http://schemas.openxmlformats.org/drawingml/2006/diagram" xmlns:o="urn:schemas-microsoft-com:office:office" xmlns:v="urn:schemas-microsoft-com:vml" xmlns:pvml="urn:schemas-microsoft-com:office:powerpoint" xmlns:com="http://schemas.openxmlformats.org/drawingml/2006/compatibility" xmlns:p14="http://schemas.microsoft.com/office/powerpoint/2010/main" xmlns:p15="http://schemas.microsoft.com/office/powerpoint/2012/main">
         <p15:guide id="1" orient="horz" pos="1620">
           <p15:clr>
             <a:srgbClr val="A4A3A4"/>
@@ -1099,6 +1100,110 @@
       <p:sp>
         <p:nvSpPr>
           <p:cNvPr id="172" name="Google Shape;172;g75e35da469_0_11:notes"/>
+          <p:cNvSpPr txBox="1">
+            <a:spLocks noGrp="1"/>
+          </p:cNvSpPr>
+          <p:nvPr>
+            <p:ph type="body" idx="1"/>
+          </p:nvPr>
+        </p:nvSpPr>
+        <p:spPr>
+          <a:xfrm>
+            <a:off x="685800" y="4343400"/>
+            <a:ext cx="5486400" cy="4114800"/>
+          </a:xfrm>
+          <a:prstGeom prst="rect">
+            <a:avLst/>
+          </a:prstGeom>
+        </p:spPr>
+        <p:txBody>
+          <a:bodyPr spcFirstLastPara="1" wrap="square" lIns="91425" tIns="91425" rIns="91425" bIns="91425" anchor="t" anchorCtr="0">
+            <a:noAutofit/>
+          </a:bodyPr>
+          <a:lstStyle/>
+          <a:p>
+            <a:pPr marL="0" lvl="0" indent="0" algn="l" rtl="0">
+              <a:spcBef>
+                <a:spcPts val="0"/>
+              </a:spcBef>
+              <a:spcAft>
+                <a:spcPts val="0"/>
+              </a:spcAft>
+              <a:buNone/>
+            </a:pPr>
+            <a:endParaRPr/>
+          </a:p>
+        </p:txBody>
+      </p:sp>
+    </p:spTree>
+  </p:cSld>
+  <p:clrMapOvr>
+    <a:masterClrMapping/>
+  </p:clrMapOvr>
+</p:notes>
+</file>
+
+<file path=ppt/notesSlides/notesSlide5.xml><?xml version="1.0" encoding="utf-8"?>
+<p:notes xmlns:a="http://schemas.openxmlformats.org/drawingml/2006/main" xmlns:r="http://schemas.openxmlformats.org/officeDocument/2006/relationships" xmlns:p="http://schemas.openxmlformats.org/presentationml/2006/main" showMasterSp="0" showMasterPhAnim="0">
+  <p:cSld>
+    <p:spTree>
+      <p:nvGrpSpPr>
+        <p:cNvPr id="1" name="Shape 70"/>
+        <p:cNvGrpSpPr/>
+        <p:nvPr/>
+      </p:nvGrpSpPr>
+      <p:grpSpPr>
+        <a:xfrm>
+          <a:off x="0" y="0"/>
+          <a:ext cx="0" cy="0"/>
+          <a:chOff x="0" y="0"/>
+          <a:chExt cx="0" cy="0"/>
+        </a:xfrm>
+      </p:grpSpPr>
+      <p:sp>
+        <p:nvSpPr>
+          <p:cNvPr id="71" name="Google Shape;71;g75e35da469_1_5:notes"/>
+          <p:cNvSpPr>
+            <a:spLocks noGrp="1" noRot="1" noChangeAspect="1"/>
+          </p:cNvSpPr>
+          <p:nvPr>
+            <p:ph type="sldImg" idx="2"/>
+          </p:nvPr>
+        </p:nvSpPr>
+        <p:spPr>
+          <a:xfrm>
+            <a:off x="381000" y="685800"/>
+            <a:ext cx="6096000" cy="3429000"/>
+          </a:xfrm>
+          <a:custGeom>
+            <a:avLst/>
+            <a:gdLst/>
+            <a:ahLst/>
+            <a:cxnLst/>
+            <a:rect l="l" t="t" r="r" b="b"/>
+            <a:pathLst>
+              <a:path w="120000" h="120000" extrusionOk="0">
+                <a:moveTo>
+                  <a:pt x="0" y="0"/>
+                </a:moveTo>
+                <a:lnTo>
+                  <a:pt x="120000" y="0"/>
+                </a:lnTo>
+                <a:lnTo>
+                  <a:pt x="120000" y="120000"/>
+                </a:lnTo>
+                <a:lnTo>
+                  <a:pt x="0" y="120000"/>
+                </a:lnTo>
+                <a:close/>
+              </a:path>
+            </a:pathLst>
+          </a:custGeom>
+        </p:spPr>
+      </p:sp>
+      <p:sp>
+        <p:nvSpPr>
+          <p:cNvPr id="72" name="Google Shape;72;g75e35da469_1_5:notes"/>
           <p:cNvSpPr txBox="1">
             <a:spLocks noGrp="1"/>
           </p:cNvSpPr>
@@ -6269,7 +6374,7 @@
         <p:spPr>
           <a:xfrm>
             <a:off x="311700" y="688115"/>
-            <a:ext cx="2334000" cy="3616500"/>
+            <a:ext cx="3030590" cy="3616500"/>
           </a:xfrm>
           <a:prstGeom prst="rect">
             <a:avLst/>
@@ -6303,7 +6408,7 @@
             </a:r>
             <a:r>
               <a:rPr lang="en" sz="1000" b="1" dirty="0" smtClean="0"/>
-              <a:t>Assumptions</a:t>
+              <a:t>Rates</a:t>
             </a:r>
             <a:endParaRPr sz="1000" b="1"/>
           </a:p>
@@ -6326,22 +6431,131 @@
             </a:r>
           </a:p>
           <a:p>
-            <a:pPr marL="0" lvl="0" indent="0" algn="l" rtl="0">
-              <a:lnSpc>
-                <a:spcPct val="100000"/>
-              </a:lnSpc>
-              <a:spcBef>
-                <a:spcPts val="0"/>
-              </a:spcBef>
-              <a:spcAft>
-                <a:spcPts val="0"/>
-              </a:spcAft>
-              <a:buNone/>
-            </a:pPr>
             <a:r>
               <a:rPr lang="en-US" sz="900" dirty="0" smtClean="0"/>
               <a:t>- </a:t>
             </a:r>
+            <a:r>
+              <a:rPr lang="en-US" sz="900" dirty="0" smtClean="0"/>
+              <a:t>Roll rate for TBO loans in March:  </a:t>
+            </a:r>
+            <a:r>
+              <a:rPr lang="en-US" sz="900" dirty="0" smtClean="0"/>
+              <a:t>60.9%</a:t>
+            </a:r>
+            <a:endParaRPr lang="en-US" sz="900" dirty="0" smtClean="0"/>
+          </a:p>
+          <a:p>
+            <a:r>
+              <a:rPr lang="en-US" sz="900" dirty="0" smtClean="0"/>
+              <a:t>Roll rate for TB0 loans in April:  </a:t>
+            </a:r>
+            <a:r>
+              <a:rPr lang="en-US" sz="900" dirty="0" smtClean="0"/>
+              <a:t>67.1%</a:t>
+            </a:r>
+            <a:endParaRPr lang="en-US" sz="900" dirty="0" smtClean="0"/>
+          </a:p>
+          <a:p>
+            <a:r>
+              <a:rPr lang="en-US" sz="900" dirty="0" smtClean="0"/>
+              <a:t>Roll rate for TB0 loans in May:    </a:t>
+            </a:r>
+            <a:r>
+              <a:rPr lang="en-US" sz="900" dirty="0" smtClean="0"/>
+              <a:t>72.1%</a:t>
+            </a:r>
+            <a:endParaRPr lang="en-US" sz="900" dirty="0" smtClean="0"/>
+          </a:p>
+          <a:p>
+            <a:r>
+              <a:rPr lang="en-US" sz="900" dirty="0" smtClean="0"/>
+              <a:t> </a:t>
+            </a:r>
+          </a:p>
+          <a:p>
+            <a:r>
+              <a:rPr lang="en-US" sz="900" dirty="0" smtClean="0"/>
+              <a:t>Roll rate for March TB0 loans:  </a:t>
+            </a:r>
+            <a:r>
+              <a:rPr lang="en-US" sz="900" dirty="0" smtClean="0"/>
+              <a:t>1.591%</a:t>
+            </a:r>
+            <a:endParaRPr lang="en-US" sz="900" dirty="0" smtClean="0"/>
+          </a:p>
+          <a:p>
+            <a:r>
+              <a:rPr lang="en-US" sz="900" dirty="0" smtClean="0"/>
+              <a:t>Roll rate for April TB0 loans:  </a:t>
+            </a:r>
+            <a:r>
+              <a:rPr lang="en-US" sz="900" dirty="0" smtClean="0"/>
+              <a:t>1.998%</a:t>
+            </a:r>
+            <a:endParaRPr lang="en-US" sz="900" dirty="0" smtClean="0"/>
+          </a:p>
+          <a:p>
+            <a:r>
+              <a:rPr lang="en-US" sz="900" dirty="0" smtClean="0"/>
+              <a:t>Roll rate for May TB0 loans:    </a:t>
+            </a:r>
+            <a:r>
+              <a:rPr lang="en-US" sz="900" dirty="0" smtClean="0"/>
+              <a:t>1.556%</a:t>
+            </a:r>
+            <a:endParaRPr lang="en-US" sz="900" dirty="0" smtClean="0"/>
+          </a:p>
+          <a:p>
+            <a:r>
+              <a:rPr lang="en-US" sz="900" dirty="0" smtClean="0"/>
+              <a:t> </a:t>
+            </a:r>
+          </a:p>
+          <a:p>
+            <a:r>
+              <a:rPr lang="en-US" sz="900" dirty="0" smtClean="0"/>
+              <a:t>Principal Balance Roll forward rate:</a:t>
+            </a:r>
+          </a:p>
+          <a:p>
+            <a:r>
+              <a:rPr lang="en-US" sz="900" dirty="0" smtClean="0"/>
+              <a:t>Total sanctioned amount:  1862351670144</a:t>
+            </a:r>
+          </a:p>
+          <a:p>
+            <a:r>
+              <a:rPr lang="en-US" sz="900" dirty="0" smtClean="0"/>
+              <a:t>Balance roll rate for TB0 loans in March:  </a:t>
+            </a:r>
+            <a:r>
+              <a:rPr lang="en-US" sz="900" dirty="0" smtClean="0"/>
+              <a:t>44.4 %</a:t>
+            </a:r>
+            <a:endParaRPr lang="en-US" sz="900" dirty="0" smtClean="0"/>
+          </a:p>
+          <a:p>
+            <a:r>
+              <a:rPr lang="en-US" sz="900" dirty="0" smtClean="0"/>
+              <a:t>Balance roll rate for TB0 loans in April:  </a:t>
+            </a:r>
+            <a:r>
+              <a:rPr lang="en-US" sz="900" dirty="0" smtClean="0"/>
+              <a:t>48.56 %</a:t>
+            </a:r>
+            <a:endParaRPr lang="en-US" sz="900" dirty="0" smtClean="0"/>
+          </a:p>
+          <a:p>
+            <a:r>
+              <a:rPr lang="en-US" sz="900" dirty="0" smtClean="0"/>
+              <a:t>Balance roll rate for TB0 loans in May:    </a:t>
+            </a:r>
+            <a:r>
+              <a:rPr lang="en-US" sz="900" dirty="0" smtClean="0"/>
+              <a:t>53.39 %</a:t>
+            </a:r>
+            <a:endParaRPr lang="en-US" sz="900" dirty="0" smtClean="0"/>
           </a:p>
           <a:p>
             <a:pPr marL="0" lvl="0" indent="0" algn="l" rtl="0">
@@ -6356,100 +6570,7 @@
               </a:spcAft>
               <a:buNone/>
             </a:pPr>
-            <a:r>
-              <a:rPr lang="en-US" sz="900" dirty="0" smtClean="0"/>
-              <a:t>- </a:t>
-            </a:r>
             <a:endParaRPr sz="900"/>
-          </a:p>
-          <a:p>
-            <a:pPr marL="0" lvl="0" indent="0" algn="l" rtl="0">
-              <a:lnSpc>
-                <a:spcPct val="100000"/>
-              </a:lnSpc>
-              <a:spcBef>
-                <a:spcPts val="0"/>
-              </a:spcBef>
-              <a:spcAft>
-                <a:spcPts val="0"/>
-              </a:spcAft>
-              <a:buNone/>
-            </a:pPr>
-            <a:endParaRPr sz="1200" b="1"/>
-          </a:p>
-          <a:p>
-            <a:pPr marL="457200" lvl="0" indent="0" algn="l" rtl="0">
-              <a:lnSpc>
-                <a:spcPct val="115000"/>
-              </a:lnSpc>
-              <a:spcBef>
-                <a:spcPts val="1200"/>
-              </a:spcBef>
-              <a:spcAft>
-                <a:spcPts val="1200"/>
-              </a:spcAft>
-              <a:buNone/>
-            </a:pPr>
-            <a:endParaRPr sz="1000" b="1">
-              <a:solidFill>
-                <a:schemeClr val="dk1"/>
-              </a:solidFill>
-            </a:endParaRPr>
-          </a:p>
-        </p:txBody>
-      </p:sp>
-      <p:sp>
-        <p:nvSpPr>
-          <p:cNvPr id="80" name="Google Shape;80;p15"/>
-          <p:cNvSpPr txBox="1"/>
-          <p:nvPr/>
-        </p:nvSpPr>
-        <p:spPr>
-          <a:xfrm>
-            <a:off x="256765" y="2229837"/>
-            <a:ext cx="2773514" cy="3616500"/>
-          </a:xfrm>
-          <a:prstGeom prst="rect">
-            <a:avLst/>
-          </a:prstGeom>
-          <a:noFill/>
-          <a:ln>
-            <a:noFill/>
-          </a:ln>
-        </p:spPr>
-        <p:txBody>
-          <a:bodyPr spcFirstLastPara="1" wrap="square" lIns="91425" tIns="91425" rIns="91425" bIns="91425" anchor="t" anchorCtr="0">
-            <a:noAutofit/>
-          </a:bodyPr>
-          <a:lstStyle/>
-          <a:p>
-            <a:pPr lvl="0"/>
-            <a:r>
-              <a:rPr lang="en-US" sz="1000" b="1" dirty="0" smtClean="0"/>
-              <a:t>Correlation between principal balance and term: -0.551402</a:t>
-            </a:r>
-          </a:p>
-          <a:p>
-            <a:pPr marL="0" lvl="0" indent="0" algn="l" rtl="0">
-              <a:lnSpc>
-                <a:spcPct val="100000"/>
-              </a:lnSpc>
-              <a:spcBef>
-                <a:spcPts val="0"/>
-              </a:spcBef>
-              <a:spcAft>
-                <a:spcPts val="0"/>
-              </a:spcAft>
-              <a:buNone/>
-            </a:pPr>
-            <a:endParaRPr sz="1000" b="1"/>
-          </a:p>
-          <a:p>
-            <a:pPr lvl="0"/>
-            <a:r>
-              <a:rPr lang="en-US" sz="1000" dirty="0" smtClean="0"/>
-              <a:t>If we estimate the absolute correlation value as being moderate if it falls between 0.5 and 0.7, we can conclude that there is a moderate correlation between term completed and principal balance. In addition as this is a negative value, we conclude that this is a negative relationship, meaning as there is an increase in one variable there is a decrease in the other and vice-versa.</a:t>
-            </a:r>
           </a:p>
           <a:p>
             <a:pPr marL="0" lvl="0" indent="0" algn="l" rtl="0">
@@ -6526,7 +6647,7 @@
           <p:cNvPr id="10" name="Table 9">
             <a:extLst>
               <a:ext uri="{FF2B5EF4-FFF2-40B4-BE49-F238E27FC236}">
-                <a16:creationId xmlns:a16="http://schemas.microsoft.com/office/drawing/2014/main" xmlns="" id="{A57B0D56-578E-7C47-8E69-EEB60709BD11}"/>
+                <a16:creationId xmlns="" xmlns:a16="http://schemas.microsoft.com/office/drawing/2014/main" id="{A57B0D56-578E-7C47-8E69-EEB60709BD11}"/>
               </a:ext>
             </a:extLst>
           </p:cNvPr>
@@ -6536,50 +6657,50 @@
           <p:nvPr>
             <p:extLst>
               <p:ext uri="{D42A27DB-BD31-4B8C-83A1-F6EECF244321}">
-                <p14:modId xmlns:p14="http://schemas.microsoft.com/office/powerpoint/2010/main" xmlns="" val="3223740064"/>
+                <p14:modId xmlns="" xmlns:p14="http://schemas.microsoft.com/office/powerpoint/2010/main" val="3223740064"/>
               </p:ext>
             </p:extLst>
           </p:nvPr>
         </p:nvGraphicFramePr>
         <p:xfrm>
-          <a:off x="3394367" y="2827544"/>
-          <a:ext cx="5406500" cy="1653267"/>
+          <a:off x="4177861" y="888386"/>
+          <a:ext cx="4559943" cy="1580750"/>
         </p:xfrm>
         <a:graphic>
           <a:graphicData uri="http://schemas.openxmlformats.org/drawingml/2006/table">
             <a:tbl>
               <a:tblPr/>
               <a:tblGrid>
-                <a:gridCol w="985421">
+                <a:gridCol w="831122">
                   <a:extLst>
                     <a:ext uri="{9D8B030D-6E8A-4147-A177-3AD203B41FA5}">
-                      <a16:colId xmlns:a16="http://schemas.microsoft.com/office/drawing/2014/main" xmlns="" val="3339747500"/>
+                      <a16:colId xmlns="" xmlns:a16="http://schemas.microsoft.com/office/drawing/2014/main" val="3339747500"/>
                     </a:ext>
                   </a:extLst>
                 </a:gridCol>
-                <a:gridCol w="954655">
+                <a:gridCol w="805174">
                   <a:extLst>
                     <a:ext uri="{9D8B030D-6E8A-4147-A177-3AD203B41FA5}">
-                      <a16:colId xmlns:a16="http://schemas.microsoft.com/office/drawing/2014/main" xmlns="" val="2171048418"/>
+                      <a16:colId xmlns="" xmlns:a16="http://schemas.microsoft.com/office/drawing/2014/main" val="2171048418"/>
                     </a:ext>
                   </a:extLst>
                 </a:gridCol>
-                <a:gridCol w="2102392">
+                <a:gridCol w="1773197">
                   <a:extLst>
                     <a:ext uri="{9D8B030D-6E8A-4147-A177-3AD203B41FA5}">
-                      <a16:colId xmlns:a16="http://schemas.microsoft.com/office/drawing/2014/main" xmlns="" val="505646319"/>
+                      <a16:colId xmlns="" xmlns:a16="http://schemas.microsoft.com/office/drawing/2014/main" val="505646319"/>
                     </a:ext>
                   </a:extLst>
                 </a:gridCol>
-                <a:gridCol w="1364032">
+                <a:gridCol w="1150450">
                   <a:extLst>
                     <a:ext uri="{9D8B030D-6E8A-4147-A177-3AD203B41FA5}">
-                      <a16:colId xmlns:a16="http://schemas.microsoft.com/office/drawing/2014/main" xmlns="" val="3552967369"/>
+                      <a16:colId xmlns="" xmlns:a16="http://schemas.microsoft.com/office/drawing/2014/main" val="3552967369"/>
                     </a:ext>
                   </a:extLst>
                 </a:gridCol>
               </a:tblGrid>
-              <a:tr h="563313">
+              <a:tr h="535295">
                 <a:tc>
                   <a:txBody>
                     <a:bodyPr/>
@@ -6817,11 +6938,11 @@
                 </a:tc>
                 <a:extLst>
                   <a:ext uri="{0D108BD9-81ED-4DB2-BD59-A6C34878D82A}">
-                    <a16:rowId xmlns:a16="http://schemas.microsoft.com/office/drawing/2014/main" xmlns="" val="1760265559"/>
+                    <a16:rowId xmlns="" xmlns:a16="http://schemas.microsoft.com/office/drawing/2014/main" val="1760265559"/>
                   </a:ext>
                 </a:extLst>
               </a:tr>
-              <a:tr h="147395">
+              <a:tr h="185572">
                 <a:tc>
                   <a:txBody>
                     <a:bodyPr/>
@@ -6925,11 +7046,11 @@
                 </a:tc>
                 <a:extLst>
                   <a:ext uri="{0D108BD9-81ED-4DB2-BD59-A6C34878D82A}">
-                    <a16:rowId xmlns:a16="http://schemas.microsoft.com/office/drawing/2014/main" xmlns="" val="227676264"/>
+                    <a16:rowId xmlns="" xmlns:a16="http://schemas.microsoft.com/office/drawing/2014/main" val="227676264"/>
                   </a:ext>
                 </a:extLst>
               </a:tr>
-              <a:tr h="298223">
+              <a:tr h="283390">
                 <a:tc>
                   <a:txBody>
                     <a:bodyPr/>
@@ -7204,11 +7325,11 @@
                 </a:tc>
                 <a:extLst>
                   <a:ext uri="{0D108BD9-81ED-4DB2-BD59-A6C34878D82A}">
-                    <a16:rowId xmlns:a16="http://schemas.microsoft.com/office/drawing/2014/main" xmlns="" val="1329572266"/>
+                    <a16:rowId xmlns="" xmlns:a16="http://schemas.microsoft.com/office/drawing/2014/main" val="1329572266"/>
                   </a:ext>
                 </a:extLst>
               </a:tr>
-              <a:tr h="298223">
+              <a:tr h="283390">
                 <a:tc>
                   <a:txBody>
                     <a:bodyPr/>
@@ -7483,11 +7604,11 @@
                 </a:tc>
                 <a:extLst>
                   <a:ext uri="{0D108BD9-81ED-4DB2-BD59-A6C34878D82A}">
-                    <a16:rowId xmlns:a16="http://schemas.microsoft.com/office/drawing/2014/main" xmlns="" val="2157716161"/>
+                    <a16:rowId xmlns="" xmlns:a16="http://schemas.microsoft.com/office/drawing/2014/main" val="2157716161"/>
                   </a:ext>
                 </a:extLst>
               </a:tr>
-              <a:tr h="298223">
+              <a:tr h="283390">
                 <a:tc>
                   <a:txBody>
                     <a:bodyPr/>
@@ -7570,7 +7691,7 @@
                         </a:spcAft>
                       </a:pPr>
                       <a:r>
-                        <a:rPr lang="en-US" sz="1200" b="0" i="0" u="none" strike="noStrike">
+                        <a:rPr lang="en-US" sz="1200" b="0" i="0" u="none" strike="noStrike" dirty="0">
                           <a:solidFill>
                             <a:srgbClr val="000000"/>
                           </a:solidFill>
@@ -7579,7 +7700,7 @@
                         </a:rPr>
                         <a:t>72.176</a:t>
                       </a:r>
-                      <a:endParaRPr lang="en-US" sz="1200" b="0" i="0" u="none" strike="noStrike">
+                      <a:endParaRPr lang="en-US" sz="1200" b="0" i="0" u="none" strike="noStrike" dirty="0">
                         <a:effectLst/>
                         <a:latin typeface="Arial" panose="020B0604020202020204" pitchFamily="34" charset="0"/>
                       </a:endParaRPr>
@@ -7762,7 +7883,7 @@
                 </a:tc>
                 <a:extLst>
                   <a:ext uri="{0D108BD9-81ED-4DB2-BD59-A6C34878D82A}">
-                    <a16:rowId xmlns:a16="http://schemas.microsoft.com/office/drawing/2014/main" xmlns="" val="2060550516"/>
+                    <a16:rowId xmlns="" xmlns:a16="http://schemas.microsoft.com/office/drawing/2014/main" val="2060550516"/>
                   </a:ext>
                 </a:extLst>
               </a:tr>
@@ -7775,6 +7896,13 @@
   <p:clrMapOvr>
     <a:masterClrMapping/>
   </p:clrMapOvr>
+  <p:timing>
+    <p:tnLst>
+      <p:par>
+        <p:cTn id="1" dur="indefinite" restart="never" nodeType="tmRoot"/>
+      </p:par>
+    </p:tnLst>
+  </p:timing>
 </p:sld>
 </file>
 
@@ -7795,6 +7923,39 @@
           <a:chExt cx="0" cy="0"/>
         </a:xfrm>
       </p:grpSpPr>
+      <p:pic>
+        <p:nvPicPr>
+          <p:cNvPr id="3074" name="Picture 2"/>
+          <p:cNvPicPr>
+            <a:picLocks noChangeAspect="1" noChangeArrowheads="1"/>
+          </p:cNvPicPr>
+          <p:nvPr/>
+        </p:nvPicPr>
+        <p:blipFill>
+          <a:blip r:embed="rId3"/>
+          <a:srcRect l="21932" t="55603" r="52138" b="10776"/>
+          <a:stretch>
+            <a:fillRect/>
+          </a:stretch>
+        </p:blipFill>
+        <p:spPr bwMode="auto">
+          <a:xfrm>
+            <a:off x="409907" y="878921"/>
+            <a:ext cx="3279227" cy="2390465"/>
+          </a:xfrm>
+          <a:prstGeom prst="rect">
+            <a:avLst/>
+          </a:prstGeom>
+          <a:noFill/>
+          <a:ln w="9525">
+            <a:noFill/>
+            <a:miter lim="800000"/>
+            <a:headEnd/>
+            <a:tailEnd/>
+          </a:ln>
+          <a:effectLst/>
+        </p:spPr>
+      </p:pic>
       <p:sp>
         <p:nvSpPr>
           <p:cNvPr id="148" name="Google Shape;148;p23"/>
@@ -7830,8 +7991,8 @@
               <a:buNone/>
             </a:pPr>
             <a:r>
-              <a:rPr lang="en" sz="1800" dirty="0"/>
-              <a:t>Regression Modelling </a:t>
+              <a:rPr lang="en" sz="1800" dirty="0" smtClean="0"/>
+              <a:t>QC Checks &amp; Issues</a:t>
             </a:r>
             <a:endParaRPr sz="1800"/>
           </a:p>
@@ -7876,126 +8037,6 @@
               <a:t>Data Analysis</a:t>
             </a:r>
             <a:endParaRPr sz="2400"/>
-          </a:p>
-        </p:txBody>
-      </p:sp>
-      <p:sp>
-        <p:nvSpPr>
-          <p:cNvPr id="151" name="Google Shape;151;p23"/>
-          <p:cNvSpPr txBox="1"/>
-          <p:nvPr/>
-        </p:nvSpPr>
-        <p:spPr>
-          <a:xfrm>
-            <a:off x="158950" y="1058275"/>
-            <a:ext cx="3181800" cy="3616500"/>
-          </a:xfrm>
-          <a:prstGeom prst="rect">
-            <a:avLst/>
-          </a:prstGeom>
-          <a:noFill/>
-          <a:ln>
-            <a:noFill/>
-          </a:ln>
-        </p:spPr>
-        <p:txBody>
-          <a:bodyPr spcFirstLastPara="1" wrap="square" lIns="91425" tIns="91425" rIns="91425" bIns="91425" anchor="t" anchorCtr="0">
-            <a:noAutofit/>
-          </a:bodyPr>
-          <a:lstStyle/>
-          <a:p>
-            <a:pPr marL="457200" lvl="0" indent="-292100" algn="l" rtl="0">
-              <a:spcBef>
-                <a:spcPts val="0"/>
-              </a:spcBef>
-              <a:spcAft>
-                <a:spcPts val="0"/>
-              </a:spcAft>
-              <a:buClr>
-                <a:schemeClr val="dk1"/>
-              </a:buClr>
-              <a:buSzPts val="1000"/>
-              <a:buChar char="●"/>
-            </a:pPr>
-            <a:r>
-              <a:rPr lang="en" sz="1000" dirty="0" smtClean="0">
-                <a:solidFill>
-                  <a:schemeClr val="dk1"/>
-                </a:solidFill>
-              </a:rPr>
-              <a:t>LinearRegression </a:t>
-            </a:r>
-            <a:r>
-              <a:rPr lang="en" sz="1000" dirty="0">
-                <a:solidFill>
-                  <a:schemeClr val="dk1"/>
-                </a:solidFill>
-              </a:rPr>
-              <a:t>from sklearn.linear_model </a:t>
-            </a:r>
-            <a:endParaRPr sz="1000">
-              <a:solidFill>
-                <a:schemeClr val="dk1"/>
-              </a:solidFill>
-            </a:endParaRPr>
-          </a:p>
-          <a:p>
-            <a:pPr marL="457200" lvl="0" indent="-292100" algn="l" rtl="0">
-              <a:spcBef>
-                <a:spcPts val="0"/>
-              </a:spcBef>
-              <a:spcAft>
-                <a:spcPts val="0"/>
-              </a:spcAft>
-              <a:buClr>
-                <a:schemeClr val="dk1"/>
-              </a:buClr>
-              <a:buSzPts val="1000"/>
-              <a:buChar char="●"/>
-            </a:pPr>
-            <a:r>
-              <a:rPr lang="en" sz="1000" dirty="0">
-                <a:solidFill>
-                  <a:schemeClr val="dk1"/>
-                </a:solidFill>
-              </a:rPr>
-              <a:t>OLS Regression  from statsmodels.regression.linear_model</a:t>
-            </a:r>
-            <a:endParaRPr sz="1000">
-              <a:solidFill>
-                <a:schemeClr val="dk1"/>
-              </a:solidFill>
-            </a:endParaRPr>
-          </a:p>
-          <a:p>
-            <a:pPr marL="0" lvl="0" indent="0" algn="l" rtl="0">
-              <a:lnSpc>
-                <a:spcPct val="150000"/>
-              </a:lnSpc>
-              <a:spcBef>
-                <a:spcPts val="0"/>
-              </a:spcBef>
-              <a:spcAft>
-                <a:spcPts val="0"/>
-              </a:spcAft>
-              <a:buNone/>
-            </a:pPr>
-            <a:endParaRPr sz="1000"/>
-          </a:p>
-          <a:p>
-            <a:pPr marL="0" lvl="0" indent="0" algn="l" rtl="0">
-              <a:lnSpc>
-                <a:spcPct val="150000"/>
-              </a:lnSpc>
-              <a:spcBef>
-                <a:spcPts val="0"/>
-              </a:spcBef>
-              <a:spcAft>
-                <a:spcPts val="0"/>
-              </a:spcAft>
-              <a:buNone/>
-            </a:pPr>
-            <a:endParaRPr sz="1000"/>
           </a:p>
         </p:txBody>
       </p:sp>
@@ -8061,7 +8102,25 @@
                 <a:cs typeface="Economica"/>
                 <a:sym typeface="Economica"/>
               </a:rPr>
-              <a:t>Call Data</a:t>
+              <a:t>Call </a:t>
+            </a:r>
+            <a:r>
+              <a:rPr kumimoji="0" lang="en-US" sz="1800" b="0" i="0" u="none" strike="noStrike" kern="0" cap="none" spc="0" normalizeH="0" baseline="0" noProof="0" dirty="0" smtClean="0">
+                <a:ln>
+                  <a:noFill/>
+                </a:ln>
+                <a:solidFill>
+                  <a:schemeClr val="dk1"/>
+                </a:solidFill>
+                <a:effectLst/>
+                <a:uLnTx/>
+                <a:uFillTx/>
+                <a:latin typeface="Economica"/>
+                <a:ea typeface="Economica"/>
+                <a:cs typeface="Economica"/>
+                <a:sym typeface="Economica"/>
+              </a:rPr>
+              <a:t>Data Analysis</a:t>
             </a:r>
             <a:endParaRPr kumimoji="0" lang="en-US" sz="1800" b="0" i="0" u="none" strike="noStrike" kern="0" cap="none" spc="0" normalizeH="0" baseline="0" noProof="0" dirty="0">
               <a:ln>
@@ -8086,7 +8145,7 @@
           <p:cNvPr id="13" name="Table 12">
             <a:extLst>
               <a:ext uri="{FF2B5EF4-FFF2-40B4-BE49-F238E27FC236}">
-                <a16:creationId xmlns:a16="http://schemas.microsoft.com/office/drawing/2014/main" xmlns="" id="{A57B0D56-578E-7C47-8E69-EEB60709BD11}"/>
+                <a16:creationId xmlns="" xmlns:a16="http://schemas.microsoft.com/office/drawing/2014/main" id="{A57B0D56-578E-7C47-8E69-EEB60709BD11}"/>
               </a:ext>
             </a:extLst>
           </p:cNvPr>
@@ -8096,7 +8155,7 @@
           <p:nvPr>
             <p:extLst>
               <p:ext uri="{D42A27DB-BD31-4B8C-83A1-F6EECF244321}">
-                <p14:modId xmlns:p14="http://schemas.microsoft.com/office/powerpoint/2010/main" xmlns="" val="3771771067"/>
+                <p14:modId xmlns="" xmlns:p14="http://schemas.microsoft.com/office/powerpoint/2010/main" val="3771771067"/>
               </p:ext>
             </p:extLst>
           </p:nvPr>
@@ -8113,28 +8172,28 @@
                 <a:gridCol w="646788">
                   <a:extLst>
                     <a:ext uri="{9D8B030D-6E8A-4147-A177-3AD203B41FA5}">
-                      <a16:colId xmlns:a16="http://schemas.microsoft.com/office/drawing/2014/main" xmlns="" val="3339747500"/>
+                      <a16:colId xmlns="" xmlns:a16="http://schemas.microsoft.com/office/drawing/2014/main" val="3339747500"/>
                     </a:ext>
                   </a:extLst>
                 </a:gridCol>
                 <a:gridCol w="938520">
                   <a:extLst>
                     <a:ext uri="{9D8B030D-6E8A-4147-A177-3AD203B41FA5}">
-                      <a16:colId xmlns:a16="http://schemas.microsoft.com/office/drawing/2014/main" xmlns="" val="2171048418"/>
+                      <a16:colId xmlns="" xmlns:a16="http://schemas.microsoft.com/office/drawing/2014/main" val="2171048418"/>
                     </a:ext>
                   </a:extLst>
                 </a:gridCol>
                 <a:gridCol w="977465">
                   <a:extLst>
                     <a:ext uri="{9D8B030D-6E8A-4147-A177-3AD203B41FA5}">
-                      <a16:colId xmlns:a16="http://schemas.microsoft.com/office/drawing/2014/main" xmlns="" val="505646319"/>
+                      <a16:colId xmlns="" xmlns:a16="http://schemas.microsoft.com/office/drawing/2014/main" val="505646319"/>
                     </a:ext>
                   </a:extLst>
                 </a:gridCol>
                 <a:gridCol w="985820">
                   <a:extLst>
                     <a:ext uri="{9D8B030D-6E8A-4147-A177-3AD203B41FA5}">
-                      <a16:colId xmlns:a16="http://schemas.microsoft.com/office/drawing/2014/main" xmlns="" val="3552967369"/>
+                      <a16:colId xmlns="" xmlns:a16="http://schemas.microsoft.com/office/drawing/2014/main" val="3552967369"/>
                     </a:ext>
                   </a:extLst>
                 </a:gridCol>
@@ -8340,7 +8399,7 @@
                 </a:tc>
                 <a:extLst>
                   <a:ext uri="{0D108BD9-81ED-4DB2-BD59-A6C34878D82A}">
-                    <a16:rowId xmlns:a16="http://schemas.microsoft.com/office/drawing/2014/main" xmlns="" val="1760265559"/>
+                    <a16:rowId xmlns="" xmlns:a16="http://schemas.microsoft.com/office/drawing/2014/main" val="1760265559"/>
                   </a:ext>
                 </a:extLst>
               </a:tr>
@@ -8437,7 +8496,7 @@
                 </a:tc>
                 <a:extLst>
                   <a:ext uri="{0D108BD9-81ED-4DB2-BD59-A6C34878D82A}">
-                    <a16:rowId xmlns:a16="http://schemas.microsoft.com/office/drawing/2014/main" xmlns="" val="227676264"/>
+                    <a16:rowId xmlns="" xmlns:a16="http://schemas.microsoft.com/office/drawing/2014/main" val="227676264"/>
                   </a:ext>
                 </a:extLst>
               </a:tr>
@@ -8506,7 +8565,7 @@
                     <a:p>
                       <a:pPr algn="r" fontAlgn="ctr"/>
                       <a:r>
-                        <a:rPr lang="en-US" sz="1200" b="0" i="0" u="none" strike="noStrike">
+                        <a:rPr lang="en-US" sz="1200" b="0" i="0" u="none" strike="noStrike" dirty="0">
                           <a:solidFill>
                             <a:srgbClr val="000000"/>
                           </a:solidFill>
@@ -8672,7 +8731,7 @@
                 </a:tc>
                 <a:extLst>
                   <a:ext uri="{0D108BD9-81ED-4DB2-BD59-A6C34878D82A}">
-                    <a16:rowId xmlns:a16="http://schemas.microsoft.com/office/drawing/2014/main" xmlns="" val="1329572266"/>
+                    <a16:rowId xmlns="" xmlns:a16="http://schemas.microsoft.com/office/drawing/2014/main" val="1329572266"/>
                   </a:ext>
                 </a:extLst>
               </a:tr>
@@ -8907,7 +8966,7 @@
                 </a:tc>
                 <a:extLst>
                   <a:ext uri="{0D108BD9-81ED-4DB2-BD59-A6C34878D82A}">
-                    <a16:rowId xmlns:a16="http://schemas.microsoft.com/office/drawing/2014/main" xmlns="" val="2157716161"/>
+                    <a16:rowId xmlns="" xmlns:a16="http://schemas.microsoft.com/office/drawing/2014/main" val="2157716161"/>
                   </a:ext>
                 </a:extLst>
               </a:tr>
@@ -9142,7 +9201,7 @@
                 </a:tc>
                 <a:extLst>
                   <a:ext uri="{0D108BD9-81ED-4DB2-BD59-A6C34878D82A}">
-                    <a16:rowId xmlns:a16="http://schemas.microsoft.com/office/drawing/2014/main" xmlns="" val="2060550516"/>
+                    <a16:rowId xmlns="" xmlns:a16="http://schemas.microsoft.com/office/drawing/2014/main" val="2060550516"/>
                   </a:ext>
                 </a:extLst>
               </a:tr>
@@ -9155,7 +9214,7 @@
           <p:cNvPr id="16" name="Content Placeholder 3">
             <a:extLst>
               <a:ext uri="{FF2B5EF4-FFF2-40B4-BE49-F238E27FC236}">
-                <a16:creationId xmlns:a16="http://schemas.microsoft.com/office/drawing/2014/main" xmlns="" id="{DF7BD9B2-D8FC-514E-91B1-32C54AF2EE6F}"/>
+                <a16:creationId xmlns="" xmlns:a16="http://schemas.microsoft.com/office/drawing/2014/main" id="{DF7BD9B2-D8FC-514E-91B1-32C54AF2EE6F}"/>
               </a:ext>
             </a:extLst>
           </p:cNvPr>
@@ -9165,85 +9224,85 @@
           <p:nvPr>
             <p:extLst>
               <p:ext uri="{D42A27DB-BD31-4B8C-83A1-F6EECF244321}">
-                <p14:modId xmlns:p14="http://schemas.microsoft.com/office/powerpoint/2010/main" xmlns="" val="3503117898"/>
+                <p14:modId xmlns="" xmlns:p14="http://schemas.microsoft.com/office/powerpoint/2010/main" val="3503117898"/>
               </p:ext>
             </p:extLst>
           </p:nvPr>
         </p:nvGraphicFramePr>
         <p:xfrm>
-          <a:off x="3859619" y="2240506"/>
-          <a:ext cx="4578304" cy="2323249"/>
+          <a:off x="4414346" y="2272438"/>
+          <a:ext cx="4023577" cy="2291317"/>
         </p:xfrm>
         <a:graphic>
           <a:graphicData uri="http://schemas.openxmlformats.org/drawingml/2006/table">
             <a:tbl>
               <a:tblPr/>
               <a:tblGrid>
-                <a:gridCol w="279815">
+                <a:gridCol w="245911">
                   <a:extLst>
                     <a:ext uri="{9D8B030D-6E8A-4147-A177-3AD203B41FA5}">
-                      <a16:colId xmlns:a16="http://schemas.microsoft.com/office/drawing/2014/main" xmlns="" val="2490510637"/>
+                      <a16:colId xmlns="" xmlns:a16="http://schemas.microsoft.com/office/drawing/2014/main" val="2490510637"/>
                     </a:ext>
                   </a:extLst>
                 </a:gridCol>
-                <a:gridCol w="645829">
+                <a:gridCol w="567578">
                   <a:extLst>
                     <a:ext uri="{9D8B030D-6E8A-4147-A177-3AD203B41FA5}">
-                      <a16:colId xmlns:a16="http://schemas.microsoft.com/office/drawing/2014/main" xmlns="" val="1141885864"/>
+                      <a16:colId xmlns="" xmlns:a16="http://schemas.microsoft.com/office/drawing/2014/main" val="1141885864"/>
                     </a:ext>
                   </a:extLst>
                 </a:gridCol>
-                <a:gridCol w="524618">
+                <a:gridCol w="461053">
                   <a:extLst>
                     <a:ext uri="{9D8B030D-6E8A-4147-A177-3AD203B41FA5}">
-                      <a16:colId xmlns:a16="http://schemas.microsoft.com/office/drawing/2014/main" xmlns="" val="2846577144"/>
+                      <a16:colId xmlns="" xmlns:a16="http://schemas.microsoft.com/office/drawing/2014/main" val="2846577144"/>
                     </a:ext>
                   </a:extLst>
                 </a:gridCol>
-                <a:gridCol w="636101">
+                <a:gridCol w="559028">
                   <a:extLst>
                     <a:ext uri="{9D8B030D-6E8A-4147-A177-3AD203B41FA5}">
-                      <a16:colId xmlns:a16="http://schemas.microsoft.com/office/drawing/2014/main" xmlns="" val="736432959"/>
+                      <a16:colId xmlns="" xmlns:a16="http://schemas.microsoft.com/office/drawing/2014/main" val="736432959"/>
                     </a:ext>
                   </a:extLst>
                 </a:gridCol>
-                <a:gridCol w="511504">
+                <a:gridCol w="449528">
                   <a:extLst>
                     <a:ext uri="{9D8B030D-6E8A-4147-A177-3AD203B41FA5}">
-                      <a16:colId xmlns:a16="http://schemas.microsoft.com/office/drawing/2014/main" xmlns="" val="3701445170"/>
+                      <a16:colId xmlns="" xmlns:a16="http://schemas.microsoft.com/office/drawing/2014/main" val="3701445170"/>
                     </a:ext>
                   </a:extLst>
                 </a:gridCol>
-                <a:gridCol w="590197">
+                <a:gridCol w="518686">
                   <a:extLst>
                     <a:ext uri="{9D8B030D-6E8A-4147-A177-3AD203B41FA5}">
-                      <a16:colId xmlns:a16="http://schemas.microsoft.com/office/drawing/2014/main" xmlns="" val="2988564765"/>
+                      <a16:colId xmlns="" xmlns:a16="http://schemas.microsoft.com/office/drawing/2014/main" val="2988564765"/>
                     </a:ext>
                   </a:extLst>
                 </a:gridCol>
-                <a:gridCol w="465599">
+                <a:gridCol w="409185">
                   <a:extLst>
                     <a:ext uri="{9D8B030D-6E8A-4147-A177-3AD203B41FA5}">
-                      <a16:colId xmlns:a16="http://schemas.microsoft.com/office/drawing/2014/main" xmlns="" val="1141725233"/>
+                      <a16:colId xmlns="" xmlns:a16="http://schemas.microsoft.com/office/drawing/2014/main" val="1141725233"/>
                     </a:ext>
                   </a:extLst>
                 </a:gridCol>
-                <a:gridCol w="445927">
+                <a:gridCol w="391897">
                   <a:extLst>
                     <a:ext uri="{9D8B030D-6E8A-4147-A177-3AD203B41FA5}">
-                      <a16:colId xmlns:a16="http://schemas.microsoft.com/office/drawing/2014/main" xmlns="" val="1756584435"/>
+                      <a16:colId xmlns="" xmlns:a16="http://schemas.microsoft.com/office/drawing/2014/main" val="1756584435"/>
                     </a:ext>
                   </a:extLst>
                 </a:gridCol>
-                <a:gridCol w="478714">
+                <a:gridCol w="420711">
                   <a:extLst>
                     <a:ext uri="{9D8B030D-6E8A-4147-A177-3AD203B41FA5}">
-                      <a16:colId xmlns:a16="http://schemas.microsoft.com/office/drawing/2014/main" xmlns="" val="370625231"/>
+                      <a16:colId xmlns="" xmlns:a16="http://schemas.microsoft.com/office/drawing/2014/main" val="370625231"/>
                     </a:ext>
                   </a:extLst>
                 </a:gridCol>
               </a:tblGrid>
-              <a:tr h="288211">
+              <a:tr h="286675">
                 <a:tc>
                   <a:txBody>
                     <a:bodyPr/>
@@ -9757,11 +9816,11 @@
                 </a:tc>
                 <a:extLst>
                   <a:ext uri="{0D108BD9-81ED-4DB2-BD59-A6C34878D82A}">
-                    <a16:rowId xmlns:a16="http://schemas.microsoft.com/office/drawing/2014/main" xmlns="" val="3213435354"/>
+                    <a16:rowId xmlns="" xmlns:a16="http://schemas.microsoft.com/office/drawing/2014/main" val="3213435354"/>
                   </a:ext>
                 </a:extLst>
               </a:tr>
-              <a:tr h="164456">
+              <a:tr h="163580">
                 <a:tc rowSpan="6">
                   <a:txBody>
                     <a:bodyPr/>
@@ -9973,11 +10032,11 @@
                 </a:tc>
                 <a:extLst>
                   <a:ext uri="{0D108BD9-81ED-4DB2-BD59-A6C34878D82A}">
-                    <a16:rowId xmlns:a16="http://schemas.microsoft.com/office/drawing/2014/main" xmlns="" val="1680588813"/>
+                    <a16:rowId xmlns="" xmlns:a16="http://schemas.microsoft.com/office/drawing/2014/main" val="1680588813"/>
                   </a:ext>
                 </a:extLst>
               </a:tr>
-              <a:tr h="163887">
+              <a:tr h="141771">
                 <a:tc vMerge="1">
                   <a:txBody>
                     <a:bodyPr/>
@@ -10402,11 +10461,11 @@
                 </a:tc>
                 <a:extLst>
                   <a:ext uri="{0D108BD9-81ED-4DB2-BD59-A6C34878D82A}">
-                    <a16:rowId xmlns:a16="http://schemas.microsoft.com/office/drawing/2014/main" xmlns="" val="385880425"/>
+                    <a16:rowId xmlns="" xmlns:a16="http://schemas.microsoft.com/office/drawing/2014/main" val="385880425"/>
                   </a:ext>
                 </a:extLst>
               </a:tr>
-              <a:tr h="163887">
+              <a:tr h="141771">
                 <a:tc vMerge="1">
                   <a:txBody>
                     <a:bodyPr/>
@@ -10783,11 +10842,11 @@
                 </a:tc>
                 <a:extLst>
                   <a:ext uri="{0D108BD9-81ED-4DB2-BD59-A6C34878D82A}">
-                    <a16:rowId xmlns:a16="http://schemas.microsoft.com/office/drawing/2014/main" xmlns="" val="2164825074"/>
+                    <a16:rowId xmlns="" xmlns:a16="http://schemas.microsoft.com/office/drawing/2014/main" val="2164825074"/>
                   </a:ext>
                 </a:extLst>
               </a:tr>
-              <a:tr h="163887">
+              <a:tr h="141771">
                 <a:tc vMerge="1">
                   <a:txBody>
                     <a:bodyPr/>
@@ -11164,11 +11223,11 @@
                 </a:tc>
                 <a:extLst>
                   <a:ext uri="{0D108BD9-81ED-4DB2-BD59-A6C34878D82A}">
-                    <a16:rowId xmlns:a16="http://schemas.microsoft.com/office/drawing/2014/main" xmlns="" val="4208753233"/>
+                    <a16:rowId xmlns="" xmlns:a16="http://schemas.microsoft.com/office/drawing/2014/main" val="4208753233"/>
                   </a:ext>
                 </a:extLst>
               </a:tr>
-              <a:tr h="163887">
+              <a:tr h="141771">
                 <a:tc vMerge="1">
                   <a:txBody>
                     <a:bodyPr/>
@@ -11545,11 +11604,11 @@
                 </a:tc>
                 <a:extLst>
                   <a:ext uri="{0D108BD9-81ED-4DB2-BD59-A6C34878D82A}">
-                    <a16:rowId xmlns:a16="http://schemas.microsoft.com/office/drawing/2014/main" xmlns="" val="2429327641"/>
+                    <a16:rowId xmlns="" xmlns:a16="http://schemas.microsoft.com/office/drawing/2014/main" val="2429327641"/>
                   </a:ext>
                 </a:extLst>
               </a:tr>
-              <a:tr h="163887">
+              <a:tr h="141771">
                 <a:tc vMerge="1">
                   <a:txBody>
                     <a:bodyPr/>
@@ -11974,11 +12033,11 @@
                 </a:tc>
                 <a:extLst>
                   <a:ext uri="{0D108BD9-81ED-4DB2-BD59-A6C34878D82A}">
-                    <a16:rowId xmlns:a16="http://schemas.microsoft.com/office/drawing/2014/main" xmlns="" val="781881754"/>
+                    <a16:rowId xmlns="" xmlns:a16="http://schemas.microsoft.com/office/drawing/2014/main" val="781881754"/>
                   </a:ext>
                 </a:extLst>
               </a:tr>
-              <a:tr h="163887">
+              <a:tr h="141771">
                 <a:tc rowSpan="6">
                   <a:txBody>
                     <a:bodyPr/>
@@ -12524,11 +12583,11 @@
                 </a:tc>
                 <a:extLst>
                   <a:ext uri="{0D108BD9-81ED-4DB2-BD59-A6C34878D82A}">
-                    <a16:rowId xmlns:a16="http://schemas.microsoft.com/office/drawing/2014/main" xmlns="" val="3539218500"/>
+                    <a16:rowId xmlns="" xmlns:a16="http://schemas.microsoft.com/office/drawing/2014/main" val="3539218500"/>
                   </a:ext>
                 </a:extLst>
               </a:tr>
-              <a:tr h="163887">
+              <a:tr h="141771">
                 <a:tc vMerge="1">
                   <a:txBody>
                     <a:bodyPr/>
@@ -12609,7 +12668,7 @@
                         </a:spcAft>
                       </a:pPr>
                       <a:r>
-                        <a:rPr lang="en-US" sz="900" b="0" i="0" u="none" strike="noStrike">
+                        <a:rPr lang="en-US" sz="900" b="0" i="0" u="none" strike="noStrike" dirty="0">
                           <a:solidFill>
                             <a:srgbClr val="000000"/>
                           </a:solidFill>
@@ -12618,7 +12677,7 @@
                         </a:rPr>
                         <a:t>2</a:t>
                       </a:r>
-                      <a:endParaRPr lang="en-US" sz="900" b="0" i="0" u="none" strike="noStrike">
+                      <a:endParaRPr lang="en-US" sz="900" b="0" i="0" u="none" strike="noStrike" dirty="0">
                         <a:effectLst/>
                         <a:latin typeface="Arial" panose="020B0604020202020204" pitchFamily="34" charset="0"/>
                       </a:endParaRPr>
@@ -12953,11 +13012,11 @@
                 </a:tc>
                 <a:extLst>
                   <a:ext uri="{0D108BD9-81ED-4DB2-BD59-A6C34878D82A}">
-                    <a16:rowId xmlns:a16="http://schemas.microsoft.com/office/drawing/2014/main" xmlns="" val="1661717561"/>
+                    <a16:rowId xmlns="" xmlns:a16="http://schemas.microsoft.com/office/drawing/2014/main" val="1661717561"/>
                   </a:ext>
                 </a:extLst>
               </a:tr>
-              <a:tr h="163887">
+              <a:tr h="141771">
                 <a:tc vMerge="1">
                   <a:txBody>
                     <a:bodyPr/>
@@ -13334,11 +13393,11 @@
                 </a:tc>
                 <a:extLst>
                   <a:ext uri="{0D108BD9-81ED-4DB2-BD59-A6C34878D82A}">
-                    <a16:rowId xmlns:a16="http://schemas.microsoft.com/office/drawing/2014/main" xmlns="" val="819279476"/>
+                    <a16:rowId xmlns="" xmlns:a16="http://schemas.microsoft.com/office/drawing/2014/main" val="819279476"/>
                   </a:ext>
                 </a:extLst>
               </a:tr>
-              <a:tr h="163887">
+              <a:tr h="141771">
                 <a:tc vMerge="1">
                   <a:txBody>
                     <a:bodyPr/>
@@ -13715,11 +13774,11 @@
                 </a:tc>
                 <a:extLst>
                   <a:ext uri="{0D108BD9-81ED-4DB2-BD59-A6C34878D82A}">
-                    <a16:rowId xmlns:a16="http://schemas.microsoft.com/office/drawing/2014/main" xmlns="" val="835629642"/>
+                    <a16:rowId xmlns="" xmlns:a16="http://schemas.microsoft.com/office/drawing/2014/main" val="835629642"/>
                   </a:ext>
                 </a:extLst>
               </a:tr>
-              <a:tr h="163887">
+              <a:tr h="141771">
                 <a:tc vMerge="1">
                   <a:txBody>
                     <a:bodyPr/>
@@ -14096,11 +14155,11 @@
                 </a:tc>
                 <a:extLst>
                   <a:ext uri="{0D108BD9-81ED-4DB2-BD59-A6C34878D82A}">
-                    <a16:rowId xmlns:a16="http://schemas.microsoft.com/office/drawing/2014/main" xmlns="" val="3763058714"/>
+                    <a16:rowId xmlns="" xmlns:a16="http://schemas.microsoft.com/office/drawing/2014/main" val="3763058714"/>
                   </a:ext>
                 </a:extLst>
               </a:tr>
-              <a:tr h="163887">
+              <a:tr h="141771">
                 <a:tc vMerge="1">
                   <a:txBody>
                     <a:bodyPr/>
@@ -14525,7 +14584,7 @@
                 </a:tc>
                 <a:extLst>
                   <a:ext uri="{0D108BD9-81ED-4DB2-BD59-A6C34878D82A}">
-                    <a16:rowId xmlns:a16="http://schemas.microsoft.com/office/drawing/2014/main" xmlns="" val="1462665552"/>
+                    <a16:rowId xmlns="" xmlns:a16="http://schemas.microsoft.com/office/drawing/2014/main" val="1462665552"/>
                   </a:ext>
                 </a:extLst>
               </a:tr>
@@ -14533,6 +14592,95 @@
           </a:graphicData>
         </a:graphic>
       </p:graphicFrame>
+      <p:sp>
+        <p:nvSpPr>
+          <p:cNvPr id="9" name="Google Shape;80;p15"/>
+          <p:cNvSpPr txBox="1"/>
+          <p:nvPr/>
+        </p:nvSpPr>
+        <p:spPr>
+          <a:xfrm>
+            <a:off x="209467" y="3301925"/>
+            <a:ext cx="4141819" cy="3616500"/>
+          </a:xfrm>
+          <a:prstGeom prst="rect">
+            <a:avLst/>
+          </a:prstGeom>
+          <a:noFill/>
+          <a:ln>
+            <a:noFill/>
+          </a:ln>
+        </p:spPr>
+        <p:txBody>
+          <a:bodyPr spcFirstLastPara="1" wrap="square" lIns="91425" tIns="91425" rIns="91425" bIns="91425" anchor="t" anchorCtr="0">
+            <a:noAutofit/>
+          </a:bodyPr>
+          <a:lstStyle/>
+          <a:p>
+            <a:pPr lvl="0"/>
+            <a:r>
+              <a:rPr lang="en-US" sz="1000" b="1" dirty="0" smtClean="0"/>
+              <a:t>Correlation between principal balance and term: -0.551402</a:t>
+            </a:r>
+          </a:p>
+          <a:p>
+            <a:pPr marL="0" lvl="0" indent="0" algn="l" rtl="0">
+              <a:lnSpc>
+                <a:spcPct val="100000"/>
+              </a:lnSpc>
+              <a:spcBef>
+                <a:spcPts val="0"/>
+              </a:spcBef>
+              <a:spcAft>
+                <a:spcPts val="0"/>
+              </a:spcAft>
+              <a:buNone/>
+            </a:pPr>
+            <a:endParaRPr sz="1000" b="1"/>
+          </a:p>
+          <a:p>
+            <a:pPr lvl="0"/>
+            <a:r>
+              <a:rPr lang="en-US" sz="1000" dirty="0" smtClean="0"/>
+              <a:t>If we estimate the absolute correlation value as being moderate if it falls between 0.5 and 0.7, we can conclude that there is a moderate correlation between term completed and principal balance. In addition as this is a negative value, we conclude that this is a negative relationship, meaning as there is an increase in one variable there is a decrease in the other and vice-versa.</a:t>
+            </a:r>
+          </a:p>
+          <a:p>
+            <a:pPr marL="0" lvl="0" indent="0" algn="l" rtl="0">
+              <a:lnSpc>
+                <a:spcPct val="100000"/>
+              </a:lnSpc>
+              <a:spcBef>
+                <a:spcPts val="0"/>
+              </a:spcBef>
+              <a:spcAft>
+                <a:spcPts val="0"/>
+              </a:spcAft>
+              <a:buNone/>
+            </a:pPr>
+            <a:endParaRPr sz="1200" b="1"/>
+          </a:p>
+          <a:p>
+            <a:pPr marL="457200" lvl="0" indent="0" algn="l" rtl="0">
+              <a:lnSpc>
+                <a:spcPct val="115000"/>
+              </a:lnSpc>
+              <a:spcBef>
+                <a:spcPts val="1200"/>
+              </a:spcBef>
+              <a:spcAft>
+                <a:spcPts val="1200"/>
+              </a:spcAft>
+              <a:buNone/>
+            </a:pPr>
+            <a:endParaRPr sz="1000" b="1">
+              <a:solidFill>
+                <a:schemeClr val="dk1"/>
+              </a:solidFill>
+            </a:endParaRPr>
+          </a:p>
+        </p:txBody>
+      </p:sp>
     </p:spTree>
   </p:cSld>
   <p:clrMapOvr>
@@ -14565,39 +14713,6 @@
           <a:chExt cx="0" cy="0"/>
         </a:xfrm>
       </p:grpSpPr>
-      <p:pic>
-        <p:nvPicPr>
-          <p:cNvPr id="17" name="Picture 3"/>
-          <p:cNvPicPr>
-            <a:picLocks noChangeAspect="1" noChangeArrowheads="1"/>
-          </p:cNvPicPr>
-          <p:nvPr/>
-        </p:nvPicPr>
-        <p:blipFill>
-          <a:blip r:embed="rId3"/>
-          <a:srcRect l="14861" t="59671" r="50848" b="23303"/>
-          <a:stretch>
-            <a:fillRect/>
-          </a:stretch>
-        </p:blipFill>
-        <p:spPr bwMode="auto">
-          <a:xfrm>
-            <a:off x="4582507" y="3550535"/>
-            <a:ext cx="4035973" cy="1126649"/>
-          </a:xfrm>
-          <a:prstGeom prst="rect">
-            <a:avLst/>
-          </a:prstGeom>
-          <a:noFill/>
-          <a:ln w="9525">
-            <a:noFill/>
-            <a:miter lim="800000"/>
-            <a:headEnd/>
-            <a:tailEnd/>
-          </a:ln>
-          <a:effectLst/>
-        </p:spPr>
-      </p:pic>
       <p:sp>
         <p:nvSpPr>
           <p:cNvPr id="148" name="Google Shape;148;p23"/>
@@ -14764,39 +14879,6 @@
           </a:p>
         </p:txBody>
       </p:sp>
-      <p:pic>
-        <p:nvPicPr>
-          <p:cNvPr id="1026" name="Picture 2"/>
-          <p:cNvPicPr>
-            <a:picLocks noChangeAspect="1" noChangeArrowheads="1"/>
-          </p:cNvPicPr>
-          <p:nvPr/>
-        </p:nvPicPr>
-        <p:blipFill>
-          <a:blip r:embed="rId4"/>
-          <a:srcRect l="22053" t="20905" r="35901"/>
-          <a:stretch>
-            <a:fillRect/>
-          </a:stretch>
-        </p:blipFill>
-        <p:spPr bwMode="auto">
-          <a:xfrm>
-            <a:off x="425669" y="1030165"/>
-            <a:ext cx="3631981" cy="3841317"/>
-          </a:xfrm>
-          <a:prstGeom prst="rect">
-            <a:avLst/>
-          </a:prstGeom>
-          <a:noFill/>
-          <a:ln w="9525">
-            <a:noFill/>
-            <a:miter lim="800000"/>
-            <a:headEnd/>
-            <a:tailEnd/>
-          </a:ln>
-          <a:effectLst/>
-        </p:spPr>
-      </p:pic>
       <p:sp>
         <p:nvSpPr>
           <p:cNvPr id="16" name="Google Shape;165;p25"/>
@@ -14906,7 +14988,7 @@
           <p:nvPr/>
         </p:nvPicPr>
         <p:blipFill>
-          <a:blip r:embed="rId5"/>
+          <a:blip r:embed="rId3"/>
           <a:srcRect l="22374" t="48896" r="34611" b="35587"/>
           <a:stretch>
             <a:fillRect/>
@@ -14916,39 +14998,6 @@
           <a:xfrm>
             <a:off x="4148106" y="683245"/>
             <a:ext cx="4948619" cy="1003664"/>
-          </a:xfrm>
-          <a:prstGeom prst="rect">
-            <a:avLst/>
-          </a:prstGeom>
-          <a:noFill/>
-          <a:ln w="9525">
-            <a:noFill/>
-            <a:miter lim="800000"/>
-            <a:headEnd/>
-            <a:tailEnd/>
-          </a:ln>
-          <a:effectLst/>
-        </p:spPr>
-      </p:pic>
-      <p:pic>
-        <p:nvPicPr>
-          <p:cNvPr id="1031" name="Picture 7"/>
-          <p:cNvPicPr>
-            <a:picLocks noChangeAspect="1" noChangeArrowheads="1"/>
-          </p:cNvPicPr>
-          <p:nvPr/>
-        </p:nvPicPr>
-        <p:blipFill>
-          <a:blip r:embed="rId6"/>
-          <a:srcRect l="22737" t="36611" r="41033" b="42268"/>
-          <a:stretch>
-            <a:fillRect/>
-          </a:stretch>
-        </p:blipFill>
-        <p:spPr bwMode="auto">
-          <a:xfrm>
-            <a:off x="4619298" y="1939578"/>
-            <a:ext cx="3846786" cy="1260820"/>
           </a:xfrm>
           <a:prstGeom prst="rect">
             <a:avLst/>
@@ -15045,6 +15094,105 @@
           </a:p>
         </p:txBody>
       </p:sp>
+      <p:pic>
+        <p:nvPicPr>
+          <p:cNvPr id="2" name="Picture 2"/>
+          <p:cNvPicPr>
+            <a:picLocks noChangeAspect="1" noChangeArrowheads="1"/>
+          </p:cNvPicPr>
+          <p:nvPr/>
+        </p:nvPicPr>
+        <p:blipFill>
+          <a:blip r:embed="rId4"/>
+          <a:srcRect l="23991" t="73491" r="50563" b="13147"/>
+          <a:stretch>
+            <a:fillRect/>
+          </a:stretch>
+        </p:blipFill>
+        <p:spPr bwMode="auto">
+          <a:xfrm>
+            <a:off x="4524703" y="3610303"/>
+            <a:ext cx="4004442" cy="1182264"/>
+          </a:xfrm>
+          <a:prstGeom prst="rect">
+            <a:avLst/>
+          </a:prstGeom>
+          <a:noFill/>
+          <a:ln w="9525">
+            <a:noFill/>
+            <a:miter lim="800000"/>
+            <a:headEnd/>
+            <a:tailEnd/>
+          </a:ln>
+          <a:effectLst/>
+        </p:spPr>
+      </p:pic>
+      <p:pic>
+        <p:nvPicPr>
+          <p:cNvPr id="1027" name="Picture 3"/>
+          <p:cNvPicPr>
+            <a:picLocks noChangeAspect="1" noChangeArrowheads="1"/>
+          </p:cNvPicPr>
+          <p:nvPr/>
+        </p:nvPicPr>
+        <p:blipFill>
+          <a:blip r:embed="rId5"/>
+          <a:srcRect l="22416" t="22629" r="36144" b="6250"/>
+          <a:stretch>
+            <a:fillRect/>
+          </a:stretch>
+        </p:blipFill>
+        <p:spPr bwMode="auto">
+          <a:xfrm>
+            <a:off x="220716" y="1024757"/>
+            <a:ext cx="3988676" cy="3848722"/>
+          </a:xfrm>
+          <a:prstGeom prst="rect">
+            <a:avLst/>
+          </a:prstGeom>
+          <a:noFill/>
+          <a:ln w="9525">
+            <a:noFill/>
+            <a:miter lim="800000"/>
+            <a:headEnd/>
+            <a:tailEnd/>
+          </a:ln>
+          <a:effectLst/>
+        </p:spPr>
+      </p:pic>
+      <p:pic>
+        <p:nvPicPr>
+          <p:cNvPr id="3" name="Picture 4"/>
+          <p:cNvPicPr>
+            <a:picLocks noChangeAspect="1" noChangeArrowheads="1"/>
+          </p:cNvPicPr>
+          <p:nvPr/>
+        </p:nvPicPr>
+        <p:blipFill>
+          <a:blip r:embed="rId6"/>
+          <a:srcRect l="22131" t="44585" r="41155" b="27613"/>
+          <a:stretch>
+            <a:fillRect/>
+          </a:stretch>
+        </p:blipFill>
+        <p:spPr bwMode="auto">
+          <a:xfrm>
+            <a:off x="5092263" y="1855959"/>
+            <a:ext cx="3358054" cy="1429667"/>
+          </a:xfrm>
+          <a:prstGeom prst="rect">
+            <a:avLst/>
+          </a:prstGeom>
+          <a:noFill/>
+          <a:ln w="9525">
+            <a:noFill/>
+            <a:miter lim="800000"/>
+            <a:headEnd/>
+            <a:tailEnd/>
+          </a:ln>
+          <a:effectLst/>
+        </p:spPr>
+      </p:pic>
     </p:spTree>
   </p:cSld>
   <p:clrMapOvr>
@@ -16015,6 +16163,220 @@
           </a:p>
         </p:txBody>
       </p:sp>
+    </p:spTree>
+  </p:cSld>
+  <p:clrMapOvr>
+    <a:masterClrMapping/>
+  </p:clrMapOvr>
+  <p:timing>
+    <p:tnLst>
+      <p:par>
+        <p:cTn id="1" dur="indefinite" restart="never" nodeType="tmRoot"/>
+      </p:par>
+    </p:tnLst>
+  </p:timing>
+</p:sld>
+</file>
+
+<file path=ppt/slides/slide5.xml><?xml version="1.0" encoding="utf-8"?>
+<p:sld xmlns:a="http://schemas.openxmlformats.org/drawingml/2006/main" xmlns:r="http://schemas.openxmlformats.org/officeDocument/2006/relationships" xmlns:p="http://schemas.openxmlformats.org/presentationml/2006/main">
+  <p:cSld>
+    <p:spTree>
+      <p:nvGrpSpPr>
+        <p:cNvPr id="1" name="Shape 73"/>
+        <p:cNvGrpSpPr/>
+        <p:nvPr/>
+      </p:nvGrpSpPr>
+      <p:grpSpPr>
+        <a:xfrm>
+          <a:off x="0" y="0"/>
+          <a:ext cx="0" cy="0"/>
+          <a:chOff x="0" y="0"/>
+          <a:chExt cx="0" cy="0"/>
+        </a:xfrm>
+      </p:grpSpPr>
+      <p:sp>
+        <p:nvSpPr>
+          <p:cNvPr id="81" name="Google Shape;81;p15"/>
+          <p:cNvSpPr txBox="1">
+            <a:spLocks noGrp="1"/>
+          </p:cNvSpPr>
+          <p:nvPr>
+            <p:ph type="title"/>
+          </p:nvPr>
+        </p:nvSpPr>
+        <p:spPr>
+          <a:xfrm>
+            <a:off x="311699" y="140225"/>
+            <a:ext cx="4906687" cy="572700"/>
+          </a:xfrm>
+          <a:prstGeom prst="rect">
+            <a:avLst/>
+          </a:prstGeom>
+        </p:spPr>
+        <p:txBody>
+          <a:bodyPr spcFirstLastPara="1" wrap="square" lIns="91425" tIns="91425" rIns="91425" bIns="91425" anchor="b" anchorCtr="0">
+            <a:noAutofit/>
+          </a:bodyPr>
+          <a:lstStyle/>
+          <a:p>
+            <a:pPr lvl="0"/>
+            <a:r>
+              <a:rPr lang="en" sz="2400" dirty="0" smtClean="0"/>
+              <a:t>Appendix: Additional Discussion Materials</a:t>
+            </a:r>
+            <a:endParaRPr sz="2400"/>
+          </a:p>
+        </p:txBody>
+      </p:sp>
+      <p:sp>
+        <p:nvSpPr>
+          <p:cNvPr id="6" name="Google Shape;148;p23"/>
+          <p:cNvSpPr txBox="1">
+            <a:spLocks/>
+          </p:cNvSpPr>
+          <p:nvPr/>
+        </p:nvSpPr>
+        <p:spPr>
+          <a:xfrm>
+            <a:off x="311700" y="521225"/>
+            <a:ext cx="2458800" cy="572700"/>
+          </a:xfrm>
+          <a:prstGeom prst="rect">
+            <a:avLst/>
+          </a:prstGeom>
+          <a:noFill/>
+          <a:ln>
+            <a:noFill/>
+          </a:ln>
+        </p:spPr>
+        <p:txBody>
+          <a:bodyPr spcFirstLastPara="1" wrap="square" lIns="91425" tIns="91425" rIns="91425" bIns="91425" anchor="b" anchorCtr="0">
+            <a:noAutofit/>
+          </a:bodyPr>
+          <a:lstStyle/>
+          <a:p>
+            <a:pPr marL="0" marR="0" lvl="0" indent="0" algn="l" defTabSz="914400" rtl="0" eaLnBrk="1" fontAlgn="auto" latinLnBrk="0" hangingPunct="1">
+              <a:lnSpc>
+                <a:spcPct val="100000"/>
+              </a:lnSpc>
+              <a:spcBef>
+                <a:spcPts val="0"/>
+              </a:spcBef>
+              <a:spcAft>
+                <a:spcPts val="0"/>
+              </a:spcAft>
+              <a:buClr>
+                <a:schemeClr val="dk1"/>
+              </a:buClr>
+              <a:buSzPts val="4200"/>
+              <a:buFont typeface="Economica"/>
+              <a:buNone/>
+              <a:tabLst/>
+              <a:defRPr/>
+            </a:pPr>
+            <a:r>
+              <a:rPr kumimoji="0" lang="en-US" sz="1800" b="0" i="0" u="none" strike="noStrike" kern="0" cap="none" spc="0" normalizeH="0" baseline="0" noProof="0" dirty="0" smtClean="0">
+                <a:ln>
+                  <a:noFill/>
+                </a:ln>
+                <a:solidFill>
+                  <a:schemeClr val="dk1"/>
+                </a:solidFill>
+                <a:effectLst/>
+                <a:uLnTx/>
+                <a:uFillTx/>
+                <a:latin typeface="Economica"/>
+                <a:ea typeface="Economica"/>
+                <a:cs typeface="Economica"/>
+                <a:sym typeface="Economica"/>
+              </a:rPr>
+              <a:t>Correlation Heat Map  </a:t>
+            </a:r>
+            <a:endParaRPr kumimoji="0" lang="en-US" sz="1800" b="0" i="0" u="none" strike="noStrike" kern="0" cap="none" spc="0" normalizeH="0" baseline="0" noProof="0" dirty="0">
+              <a:ln>
+                <a:noFill/>
+              </a:ln>
+              <a:solidFill>
+                <a:schemeClr val="dk1"/>
+              </a:solidFill>
+              <a:effectLst/>
+              <a:uLnTx/>
+              <a:uFillTx/>
+              <a:latin typeface="Economica"/>
+              <a:ea typeface="Economica"/>
+              <a:cs typeface="Economica"/>
+              <a:sym typeface="Economica"/>
+            </a:endParaRPr>
+          </a:p>
+        </p:txBody>
+      </p:sp>
+      <p:pic>
+        <p:nvPicPr>
+          <p:cNvPr id="2050" name="Picture 2"/>
+          <p:cNvPicPr>
+            <a:picLocks noChangeAspect="1" noChangeArrowheads="1"/>
+          </p:cNvPicPr>
+          <p:nvPr/>
+        </p:nvPicPr>
+        <p:blipFill>
+          <a:blip r:embed="rId3"/>
+          <a:srcRect l="21689" t="26293" r="29722" b="5603"/>
+          <a:stretch>
+            <a:fillRect/>
+          </a:stretch>
+        </p:blipFill>
+        <p:spPr bwMode="auto">
+          <a:xfrm>
+            <a:off x="3626111" y="709447"/>
+            <a:ext cx="5376041" cy="4236481"/>
+          </a:xfrm>
+          <a:prstGeom prst="rect">
+            <a:avLst/>
+          </a:prstGeom>
+          <a:noFill/>
+          <a:ln w="9525">
+            <a:noFill/>
+            <a:miter lim="800000"/>
+            <a:headEnd/>
+            <a:tailEnd/>
+          </a:ln>
+          <a:effectLst/>
+        </p:spPr>
+      </p:pic>
+      <p:pic>
+        <p:nvPicPr>
+          <p:cNvPr id="2052" name="Picture 4"/>
+          <p:cNvPicPr>
+            <a:picLocks noChangeAspect="1" noChangeArrowheads="1"/>
+          </p:cNvPicPr>
+          <p:nvPr/>
+        </p:nvPicPr>
+        <p:blipFill>
+          <a:blip r:embed="rId4"/>
+          <a:srcRect l="21768" t="40275" r="59330" b="17699"/>
+          <a:stretch>
+            <a:fillRect/>
+          </a:stretch>
+        </p:blipFill>
+        <p:spPr bwMode="auto">
+          <a:xfrm>
+            <a:off x="614862" y="1135118"/>
+            <a:ext cx="2853559" cy="3566948"/>
+          </a:xfrm>
+          <a:prstGeom prst="rect">
+            <a:avLst/>
+          </a:prstGeom>
+          <a:noFill/>
+          <a:ln w="9525">
+            <a:noFill/>
+            <a:miter lim="800000"/>
+            <a:headEnd/>
+            <a:tailEnd/>
+          </a:ln>
+          <a:effectLst/>
+        </p:spPr>
+      </p:pic>
     </p:spTree>
   </p:cSld>
   <p:clrMapOvr>

--- a/ABC Finance Case Study - v2.pptx
+++ b/ABC Finance Case Study - v2.pptx
@@ -269,7 +269,7 @@
   </p:defaultTextStyle>
   <p:extLst>
     <p:ext uri="{EFAFB233-063F-42B5-8137-9DF3F51BA10A}">
-      <p15:sldGuideLst xmlns="" xmlns:mc="http://schemas.openxmlformats.org/markup-compatibility/2006" xmlns:mv="urn:schemas-microsoft-com:mac:vml" xmlns:c="http://schemas.openxmlformats.org/drawingml/2006/chart" xmlns:dgm="http://schemas.openxmlformats.org/drawingml/2006/diagram" xmlns:o="urn:schemas-microsoft-com:office:office" xmlns:v="urn:schemas-microsoft-com:vml" xmlns:pvml="urn:schemas-microsoft-com:office:powerpoint" xmlns:com="http://schemas.openxmlformats.org/drawingml/2006/compatibility" xmlns:p14="http://schemas.microsoft.com/office/powerpoint/2010/main" xmlns:p15="http://schemas.microsoft.com/office/powerpoint/2012/main">
+      <p15:sldGuideLst xmlns:p15="http://schemas.microsoft.com/office/powerpoint/2012/main" xmlns:p14="http://schemas.microsoft.com/office/powerpoint/2010/main" xmlns:com="http://schemas.openxmlformats.org/drawingml/2006/compatibility" xmlns:pvml="urn:schemas-microsoft-com:office:powerpoint" xmlns:v="urn:schemas-microsoft-com:vml" xmlns:o="urn:schemas-microsoft-com:office:office" xmlns:dgm="http://schemas.openxmlformats.org/drawingml/2006/diagram" xmlns:c="http://schemas.openxmlformats.org/drawingml/2006/chart" xmlns:mv="urn:schemas-microsoft-com:mac:vml" xmlns:mc="http://schemas.openxmlformats.org/markup-compatibility/2006" xmlns="">
         <p15:guide id="1" orient="horz" pos="1620">
           <p15:clr>
             <a:srgbClr val="A4A3A4"/>
@@ -1068,7 +1068,7 @@
         </p:nvSpPr>
         <p:spPr>
           <a:xfrm>
-            <a:off x="381300" y="685800"/>
+            <a:off x="381000" y="685800"/>
             <a:ext cx="6096000" cy="3429000"/>
           </a:xfrm>
           <a:custGeom>
@@ -6404,11 +6404,7 @@
             </a:pPr>
             <a:r>
               <a:rPr lang="en" sz="1000" b="1" dirty="0" smtClean="0"/>
-              <a:t>Roll Forward </a:t>
-            </a:r>
-            <a:r>
-              <a:rPr lang="en" sz="1000" b="1" dirty="0" smtClean="0"/>
-              <a:t>Rates</a:t>
+              <a:t>Roll Forward Rates</a:t>
             </a:r>
             <a:endParaRPr sz="1000" b="1"/>
           </a:p>
@@ -6433,39 +6429,20 @@
           <a:p>
             <a:r>
               <a:rPr lang="en-US" sz="900" dirty="0" smtClean="0"/>
-              <a:t>- </a:t>
+              <a:t>- Roll rate for TBO loans in March:  60.9%</a:t>
             </a:r>
-            <a:r>
-              <a:rPr lang="en-US" sz="900" dirty="0" smtClean="0"/>
-              <a:t>Roll rate for TBO loans in March:  </a:t>
-            </a:r>
-            <a:r>
-              <a:rPr lang="en-US" sz="900" dirty="0" smtClean="0"/>
-              <a:t>60.9%</a:t>
-            </a:r>
-            <a:endParaRPr lang="en-US" sz="900" dirty="0" smtClean="0"/>
           </a:p>
           <a:p>
             <a:r>
               <a:rPr lang="en-US" sz="900" dirty="0" smtClean="0"/>
-              <a:t>Roll rate for TB0 loans in April:  </a:t>
+              <a:t>Roll rate for TB0 loans in April:  67.1%</a:t>
             </a:r>
-            <a:r>
-              <a:rPr lang="en-US" sz="900" dirty="0" smtClean="0"/>
-              <a:t>67.1%</a:t>
-            </a:r>
-            <a:endParaRPr lang="en-US" sz="900" dirty="0" smtClean="0"/>
           </a:p>
           <a:p>
             <a:r>
               <a:rPr lang="en-US" sz="900" dirty="0" smtClean="0"/>
-              <a:t>Roll rate for TB0 loans in May:    </a:t>
+              <a:t>Roll rate for TB0 loans in May:    72.1%</a:t>
             </a:r>
-            <a:r>
-              <a:rPr lang="en-US" sz="900" dirty="0" smtClean="0"/>
-              <a:t>72.1%</a:t>
-            </a:r>
-            <a:endParaRPr lang="en-US" sz="900" dirty="0" smtClean="0"/>
           </a:p>
           <a:p>
             <a:r>
@@ -6476,35 +6453,20 @@
           <a:p>
             <a:r>
               <a:rPr lang="en-US" sz="900" dirty="0" smtClean="0"/>
-              <a:t>Roll rate for March TB0 loans:  </a:t>
+              <a:t>Roll rate for March TB0 loans:  1.591%</a:t>
             </a:r>
-            <a:r>
-              <a:rPr lang="en-US" sz="900" dirty="0" smtClean="0"/>
-              <a:t>1.591%</a:t>
-            </a:r>
-            <a:endParaRPr lang="en-US" sz="900" dirty="0" smtClean="0"/>
           </a:p>
           <a:p>
             <a:r>
               <a:rPr lang="en-US" sz="900" dirty="0" smtClean="0"/>
-              <a:t>Roll rate for April TB0 loans:  </a:t>
+              <a:t>Roll rate for April TB0 loans:  1.998%</a:t>
             </a:r>
-            <a:r>
-              <a:rPr lang="en-US" sz="900" dirty="0" smtClean="0"/>
-              <a:t>1.998%</a:t>
-            </a:r>
-            <a:endParaRPr lang="en-US" sz="900" dirty="0" smtClean="0"/>
           </a:p>
           <a:p>
             <a:r>
               <a:rPr lang="en-US" sz="900" dirty="0" smtClean="0"/>
-              <a:t>Roll rate for May TB0 loans:    </a:t>
+              <a:t>Roll rate for May TB0 loans:    1.556%</a:t>
             </a:r>
-            <a:r>
-              <a:rPr lang="en-US" sz="900" dirty="0" smtClean="0"/>
-              <a:t>1.556%</a:t>
-            </a:r>
-            <a:endParaRPr lang="en-US" sz="900" dirty="0" smtClean="0"/>
           </a:p>
           <a:p>
             <a:r>
@@ -6527,35 +6489,20 @@
           <a:p>
             <a:r>
               <a:rPr lang="en-US" sz="900" dirty="0" smtClean="0"/>
-              <a:t>Balance roll rate for TB0 loans in March:  </a:t>
+              <a:t>Balance roll rate for TB0 loans in March:  44.4 %</a:t>
             </a:r>
-            <a:r>
-              <a:rPr lang="en-US" sz="900" dirty="0" smtClean="0"/>
-              <a:t>44.4 %</a:t>
-            </a:r>
-            <a:endParaRPr lang="en-US" sz="900" dirty="0" smtClean="0"/>
           </a:p>
           <a:p>
             <a:r>
               <a:rPr lang="en-US" sz="900" dirty="0" smtClean="0"/>
-              <a:t>Balance roll rate for TB0 loans in April:  </a:t>
+              <a:t>Balance roll rate for TB0 loans in April:  48.56 %</a:t>
             </a:r>
-            <a:r>
-              <a:rPr lang="en-US" sz="900" dirty="0" smtClean="0"/>
-              <a:t>48.56 %</a:t>
-            </a:r>
-            <a:endParaRPr lang="en-US" sz="900" dirty="0" smtClean="0"/>
           </a:p>
           <a:p>
             <a:r>
               <a:rPr lang="en-US" sz="900" dirty="0" smtClean="0"/>
-              <a:t>Balance roll rate for TB0 loans in May:    </a:t>
+              <a:t>Balance roll rate for TB0 loans in May:    53.39 %</a:t>
             </a:r>
-            <a:r>
-              <a:rPr lang="en-US" sz="900" dirty="0" smtClean="0"/>
-              <a:t>53.39 %</a:t>
-            </a:r>
-            <a:endParaRPr lang="en-US" sz="900" dirty="0" smtClean="0"/>
           </a:p>
           <a:p>
             <a:pPr marL="0" lvl="0" indent="0" algn="l" rtl="0">
@@ -6647,7 +6594,7 @@
           <p:cNvPr id="10" name="Table 9">
             <a:extLst>
               <a:ext uri="{FF2B5EF4-FFF2-40B4-BE49-F238E27FC236}">
-                <a16:creationId xmlns="" xmlns:a16="http://schemas.microsoft.com/office/drawing/2014/main" id="{A57B0D56-578E-7C47-8E69-EEB60709BD11}"/>
+                <a16:creationId xmlns:a16="http://schemas.microsoft.com/office/drawing/2014/main" xmlns="" id="{A57B0D56-578E-7C47-8E69-EEB60709BD11}"/>
               </a:ext>
             </a:extLst>
           </p:cNvPr>
@@ -6657,7 +6604,7 @@
           <p:nvPr>
             <p:extLst>
               <p:ext uri="{D42A27DB-BD31-4B8C-83A1-F6EECF244321}">
-                <p14:modId xmlns="" xmlns:p14="http://schemas.microsoft.com/office/powerpoint/2010/main" val="3223740064"/>
+                <p14:modId xmlns:p14="http://schemas.microsoft.com/office/powerpoint/2010/main" xmlns="" val="3223740064"/>
               </p:ext>
             </p:extLst>
           </p:nvPr>
@@ -6674,28 +6621,28 @@
                 <a:gridCol w="831122">
                   <a:extLst>
                     <a:ext uri="{9D8B030D-6E8A-4147-A177-3AD203B41FA5}">
-                      <a16:colId xmlns="" xmlns:a16="http://schemas.microsoft.com/office/drawing/2014/main" val="3339747500"/>
+                      <a16:colId xmlns:a16="http://schemas.microsoft.com/office/drawing/2014/main" xmlns="" val="3339747500"/>
                     </a:ext>
                   </a:extLst>
                 </a:gridCol>
                 <a:gridCol w="805174">
                   <a:extLst>
                     <a:ext uri="{9D8B030D-6E8A-4147-A177-3AD203B41FA5}">
-                      <a16:colId xmlns="" xmlns:a16="http://schemas.microsoft.com/office/drawing/2014/main" val="2171048418"/>
+                      <a16:colId xmlns:a16="http://schemas.microsoft.com/office/drawing/2014/main" xmlns="" val="2171048418"/>
                     </a:ext>
                   </a:extLst>
                 </a:gridCol>
                 <a:gridCol w="1773197">
                   <a:extLst>
                     <a:ext uri="{9D8B030D-6E8A-4147-A177-3AD203B41FA5}">
-                      <a16:colId xmlns="" xmlns:a16="http://schemas.microsoft.com/office/drawing/2014/main" val="505646319"/>
+                      <a16:colId xmlns:a16="http://schemas.microsoft.com/office/drawing/2014/main" xmlns="" val="505646319"/>
                     </a:ext>
                   </a:extLst>
                 </a:gridCol>
                 <a:gridCol w="1150450">
                   <a:extLst>
                     <a:ext uri="{9D8B030D-6E8A-4147-A177-3AD203B41FA5}">
-                      <a16:colId xmlns="" xmlns:a16="http://schemas.microsoft.com/office/drawing/2014/main" val="3552967369"/>
+                      <a16:colId xmlns:a16="http://schemas.microsoft.com/office/drawing/2014/main" xmlns="" val="3552967369"/>
                     </a:ext>
                   </a:extLst>
                 </a:gridCol>
@@ -6938,7 +6885,7 @@
                 </a:tc>
                 <a:extLst>
                   <a:ext uri="{0D108BD9-81ED-4DB2-BD59-A6C34878D82A}">
-                    <a16:rowId xmlns="" xmlns:a16="http://schemas.microsoft.com/office/drawing/2014/main" val="1760265559"/>
+                    <a16:rowId xmlns:a16="http://schemas.microsoft.com/office/drawing/2014/main" xmlns="" val="1760265559"/>
                   </a:ext>
                 </a:extLst>
               </a:tr>
@@ -7046,7 +6993,7 @@
                 </a:tc>
                 <a:extLst>
                   <a:ext uri="{0D108BD9-81ED-4DB2-BD59-A6C34878D82A}">
-                    <a16:rowId xmlns="" xmlns:a16="http://schemas.microsoft.com/office/drawing/2014/main" val="227676264"/>
+                    <a16:rowId xmlns:a16="http://schemas.microsoft.com/office/drawing/2014/main" xmlns="" val="227676264"/>
                   </a:ext>
                 </a:extLst>
               </a:tr>
@@ -7325,7 +7272,7 @@
                 </a:tc>
                 <a:extLst>
                   <a:ext uri="{0D108BD9-81ED-4DB2-BD59-A6C34878D82A}">
-                    <a16:rowId xmlns="" xmlns:a16="http://schemas.microsoft.com/office/drawing/2014/main" val="1329572266"/>
+                    <a16:rowId xmlns:a16="http://schemas.microsoft.com/office/drawing/2014/main" xmlns="" val="1329572266"/>
                   </a:ext>
                 </a:extLst>
               </a:tr>
@@ -7604,7 +7551,7 @@
                 </a:tc>
                 <a:extLst>
                   <a:ext uri="{0D108BD9-81ED-4DB2-BD59-A6C34878D82A}">
-                    <a16:rowId xmlns="" xmlns:a16="http://schemas.microsoft.com/office/drawing/2014/main" val="2157716161"/>
+                    <a16:rowId xmlns:a16="http://schemas.microsoft.com/office/drawing/2014/main" xmlns="" val="2157716161"/>
                   </a:ext>
                 </a:extLst>
               </a:tr>
@@ -7883,7 +7830,7 @@
                 </a:tc>
                 <a:extLst>
                   <a:ext uri="{0D108BD9-81ED-4DB2-BD59-A6C34878D82A}">
-                    <a16:rowId xmlns="" xmlns:a16="http://schemas.microsoft.com/office/drawing/2014/main" val="2060550516"/>
+                    <a16:rowId xmlns:a16="http://schemas.microsoft.com/office/drawing/2014/main" xmlns="" val="2060550516"/>
                   </a:ext>
                 </a:extLst>
               </a:tr>
@@ -8102,25 +8049,7 @@
                 <a:cs typeface="Economica"/>
                 <a:sym typeface="Economica"/>
               </a:rPr>
-              <a:t>Call </a:t>
-            </a:r>
-            <a:r>
-              <a:rPr kumimoji="0" lang="en-US" sz="1800" b="0" i="0" u="none" strike="noStrike" kern="0" cap="none" spc="0" normalizeH="0" baseline="0" noProof="0" dirty="0" smtClean="0">
-                <a:ln>
-                  <a:noFill/>
-                </a:ln>
-                <a:solidFill>
-                  <a:schemeClr val="dk1"/>
-                </a:solidFill>
-                <a:effectLst/>
-                <a:uLnTx/>
-                <a:uFillTx/>
-                <a:latin typeface="Economica"/>
-                <a:ea typeface="Economica"/>
-                <a:cs typeface="Economica"/>
-                <a:sym typeface="Economica"/>
-              </a:rPr>
-              <a:t>Data Analysis</a:t>
+              <a:t>Call Data Analysis</a:t>
             </a:r>
             <a:endParaRPr kumimoji="0" lang="en-US" sz="1800" b="0" i="0" u="none" strike="noStrike" kern="0" cap="none" spc="0" normalizeH="0" baseline="0" noProof="0" dirty="0">
               <a:ln>
@@ -8145,7 +8074,7 @@
           <p:cNvPr id="13" name="Table 12">
             <a:extLst>
               <a:ext uri="{FF2B5EF4-FFF2-40B4-BE49-F238E27FC236}">
-                <a16:creationId xmlns="" xmlns:a16="http://schemas.microsoft.com/office/drawing/2014/main" id="{A57B0D56-578E-7C47-8E69-EEB60709BD11}"/>
+                <a16:creationId xmlns:a16="http://schemas.microsoft.com/office/drawing/2014/main" xmlns="" id="{A57B0D56-578E-7C47-8E69-EEB60709BD11}"/>
               </a:ext>
             </a:extLst>
           </p:cNvPr>
@@ -8155,7 +8084,7 @@
           <p:nvPr>
             <p:extLst>
               <p:ext uri="{D42A27DB-BD31-4B8C-83A1-F6EECF244321}">
-                <p14:modId xmlns="" xmlns:p14="http://schemas.microsoft.com/office/powerpoint/2010/main" val="3771771067"/>
+                <p14:modId xmlns:p14="http://schemas.microsoft.com/office/powerpoint/2010/main" xmlns="" val="3771771067"/>
               </p:ext>
             </p:extLst>
           </p:nvPr>
@@ -8172,28 +8101,28 @@
                 <a:gridCol w="646788">
                   <a:extLst>
                     <a:ext uri="{9D8B030D-6E8A-4147-A177-3AD203B41FA5}">
-                      <a16:colId xmlns="" xmlns:a16="http://schemas.microsoft.com/office/drawing/2014/main" val="3339747500"/>
+                      <a16:colId xmlns:a16="http://schemas.microsoft.com/office/drawing/2014/main" xmlns="" val="3339747500"/>
                     </a:ext>
                   </a:extLst>
                 </a:gridCol>
                 <a:gridCol w="938520">
                   <a:extLst>
                     <a:ext uri="{9D8B030D-6E8A-4147-A177-3AD203B41FA5}">
-                      <a16:colId xmlns="" xmlns:a16="http://schemas.microsoft.com/office/drawing/2014/main" val="2171048418"/>
+                      <a16:colId xmlns:a16="http://schemas.microsoft.com/office/drawing/2014/main" xmlns="" val="2171048418"/>
                     </a:ext>
                   </a:extLst>
                 </a:gridCol>
                 <a:gridCol w="977465">
                   <a:extLst>
                     <a:ext uri="{9D8B030D-6E8A-4147-A177-3AD203B41FA5}">
-                      <a16:colId xmlns="" xmlns:a16="http://schemas.microsoft.com/office/drawing/2014/main" val="505646319"/>
+                      <a16:colId xmlns:a16="http://schemas.microsoft.com/office/drawing/2014/main" xmlns="" val="505646319"/>
                     </a:ext>
                   </a:extLst>
                 </a:gridCol>
                 <a:gridCol w="985820">
                   <a:extLst>
                     <a:ext uri="{9D8B030D-6E8A-4147-A177-3AD203B41FA5}">
-                      <a16:colId xmlns="" xmlns:a16="http://schemas.microsoft.com/office/drawing/2014/main" val="3552967369"/>
+                      <a16:colId xmlns:a16="http://schemas.microsoft.com/office/drawing/2014/main" xmlns="" val="3552967369"/>
                     </a:ext>
                   </a:extLst>
                 </a:gridCol>
@@ -8399,7 +8328,7 @@
                 </a:tc>
                 <a:extLst>
                   <a:ext uri="{0D108BD9-81ED-4DB2-BD59-A6C34878D82A}">
-                    <a16:rowId xmlns="" xmlns:a16="http://schemas.microsoft.com/office/drawing/2014/main" val="1760265559"/>
+                    <a16:rowId xmlns:a16="http://schemas.microsoft.com/office/drawing/2014/main" xmlns="" val="1760265559"/>
                   </a:ext>
                 </a:extLst>
               </a:tr>
@@ -8496,7 +8425,7 @@
                 </a:tc>
                 <a:extLst>
                   <a:ext uri="{0D108BD9-81ED-4DB2-BD59-A6C34878D82A}">
-                    <a16:rowId xmlns="" xmlns:a16="http://schemas.microsoft.com/office/drawing/2014/main" val="227676264"/>
+                    <a16:rowId xmlns:a16="http://schemas.microsoft.com/office/drawing/2014/main" xmlns="" val="227676264"/>
                   </a:ext>
                 </a:extLst>
               </a:tr>
@@ -8731,7 +8660,7 @@
                 </a:tc>
                 <a:extLst>
                   <a:ext uri="{0D108BD9-81ED-4DB2-BD59-A6C34878D82A}">
-                    <a16:rowId xmlns="" xmlns:a16="http://schemas.microsoft.com/office/drawing/2014/main" val="1329572266"/>
+                    <a16:rowId xmlns:a16="http://schemas.microsoft.com/office/drawing/2014/main" xmlns="" val="1329572266"/>
                   </a:ext>
                 </a:extLst>
               </a:tr>
@@ -8966,7 +8895,7 @@
                 </a:tc>
                 <a:extLst>
                   <a:ext uri="{0D108BD9-81ED-4DB2-BD59-A6C34878D82A}">
-                    <a16:rowId xmlns="" xmlns:a16="http://schemas.microsoft.com/office/drawing/2014/main" val="2157716161"/>
+                    <a16:rowId xmlns:a16="http://schemas.microsoft.com/office/drawing/2014/main" xmlns="" val="2157716161"/>
                   </a:ext>
                 </a:extLst>
               </a:tr>
@@ -9201,7 +9130,7 @@
                 </a:tc>
                 <a:extLst>
                   <a:ext uri="{0D108BD9-81ED-4DB2-BD59-A6C34878D82A}">
-                    <a16:rowId xmlns="" xmlns:a16="http://schemas.microsoft.com/office/drawing/2014/main" val="2060550516"/>
+                    <a16:rowId xmlns:a16="http://schemas.microsoft.com/office/drawing/2014/main" xmlns="" val="2060550516"/>
                   </a:ext>
                 </a:extLst>
               </a:tr>
@@ -9214,7 +9143,7 @@
           <p:cNvPr id="16" name="Content Placeholder 3">
             <a:extLst>
               <a:ext uri="{FF2B5EF4-FFF2-40B4-BE49-F238E27FC236}">
-                <a16:creationId xmlns="" xmlns:a16="http://schemas.microsoft.com/office/drawing/2014/main" id="{DF7BD9B2-D8FC-514E-91B1-32C54AF2EE6F}"/>
+                <a16:creationId xmlns:a16="http://schemas.microsoft.com/office/drawing/2014/main" xmlns="" id="{DF7BD9B2-D8FC-514E-91B1-32C54AF2EE6F}"/>
               </a:ext>
             </a:extLst>
           </p:cNvPr>
@@ -9224,7 +9153,7 @@
           <p:nvPr>
             <p:extLst>
               <p:ext uri="{D42A27DB-BD31-4B8C-83A1-F6EECF244321}">
-                <p14:modId xmlns="" xmlns:p14="http://schemas.microsoft.com/office/powerpoint/2010/main" val="3503117898"/>
+                <p14:modId xmlns:p14="http://schemas.microsoft.com/office/powerpoint/2010/main" xmlns="" val="3503117898"/>
               </p:ext>
             </p:extLst>
           </p:nvPr>
@@ -9241,63 +9170,63 @@
                 <a:gridCol w="245911">
                   <a:extLst>
                     <a:ext uri="{9D8B030D-6E8A-4147-A177-3AD203B41FA5}">
-                      <a16:colId xmlns="" xmlns:a16="http://schemas.microsoft.com/office/drawing/2014/main" val="2490510637"/>
+                      <a16:colId xmlns:a16="http://schemas.microsoft.com/office/drawing/2014/main" xmlns="" val="2490510637"/>
                     </a:ext>
                   </a:extLst>
                 </a:gridCol>
                 <a:gridCol w="567578">
                   <a:extLst>
                     <a:ext uri="{9D8B030D-6E8A-4147-A177-3AD203B41FA5}">
-                      <a16:colId xmlns="" xmlns:a16="http://schemas.microsoft.com/office/drawing/2014/main" val="1141885864"/>
+                      <a16:colId xmlns:a16="http://schemas.microsoft.com/office/drawing/2014/main" xmlns="" val="1141885864"/>
                     </a:ext>
                   </a:extLst>
                 </a:gridCol>
                 <a:gridCol w="461053">
                   <a:extLst>
                     <a:ext uri="{9D8B030D-6E8A-4147-A177-3AD203B41FA5}">
-                      <a16:colId xmlns="" xmlns:a16="http://schemas.microsoft.com/office/drawing/2014/main" val="2846577144"/>
+                      <a16:colId xmlns:a16="http://schemas.microsoft.com/office/drawing/2014/main" xmlns="" val="2846577144"/>
                     </a:ext>
                   </a:extLst>
                 </a:gridCol>
                 <a:gridCol w="559028">
                   <a:extLst>
                     <a:ext uri="{9D8B030D-6E8A-4147-A177-3AD203B41FA5}">
-                      <a16:colId xmlns="" xmlns:a16="http://schemas.microsoft.com/office/drawing/2014/main" val="736432959"/>
+                      <a16:colId xmlns:a16="http://schemas.microsoft.com/office/drawing/2014/main" xmlns="" val="736432959"/>
                     </a:ext>
                   </a:extLst>
                 </a:gridCol>
                 <a:gridCol w="449528">
                   <a:extLst>
                     <a:ext uri="{9D8B030D-6E8A-4147-A177-3AD203B41FA5}">
-                      <a16:colId xmlns="" xmlns:a16="http://schemas.microsoft.com/office/drawing/2014/main" val="3701445170"/>
+                      <a16:colId xmlns:a16="http://schemas.microsoft.com/office/drawing/2014/main" xmlns="" val="3701445170"/>
                     </a:ext>
                   </a:extLst>
                 </a:gridCol>
                 <a:gridCol w="518686">
                   <a:extLst>
                     <a:ext uri="{9D8B030D-6E8A-4147-A177-3AD203B41FA5}">
-                      <a16:colId xmlns="" xmlns:a16="http://schemas.microsoft.com/office/drawing/2014/main" val="2988564765"/>
+                      <a16:colId xmlns:a16="http://schemas.microsoft.com/office/drawing/2014/main" xmlns="" val="2988564765"/>
                     </a:ext>
                   </a:extLst>
                 </a:gridCol>
                 <a:gridCol w="409185">
                   <a:extLst>
                     <a:ext uri="{9D8B030D-6E8A-4147-A177-3AD203B41FA5}">
-                      <a16:colId xmlns="" xmlns:a16="http://schemas.microsoft.com/office/drawing/2014/main" val="1141725233"/>
+                      <a16:colId xmlns:a16="http://schemas.microsoft.com/office/drawing/2014/main" xmlns="" val="1141725233"/>
                     </a:ext>
                   </a:extLst>
                 </a:gridCol>
                 <a:gridCol w="391897">
                   <a:extLst>
                     <a:ext uri="{9D8B030D-6E8A-4147-A177-3AD203B41FA5}">
-                      <a16:colId xmlns="" xmlns:a16="http://schemas.microsoft.com/office/drawing/2014/main" val="1756584435"/>
+                      <a16:colId xmlns:a16="http://schemas.microsoft.com/office/drawing/2014/main" xmlns="" val="1756584435"/>
                     </a:ext>
                   </a:extLst>
                 </a:gridCol>
                 <a:gridCol w="420711">
                   <a:extLst>
                     <a:ext uri="{9D8B030D-6E8A-4147-A177-3AD203B41FA5}">
-                      <a16:colId xmlns="" xmlns:a16="http://schemas.microsoft.com/office/drawing/2014/main" val="370625231"/>
+                      <a16:colId xmlns:a16="http://schemas.microsoft.com/office/drawing/2014/main" xmlns="" val="370625231"/>
                     </a:ext>
                   </a:extLst>
                 </a:gridCol>
@@ -9816,7 +9745,7 @@
                 </a:tc>
                 <a:extLst>
                   <a:ext uri="{0D108BD9-81ED-4DB2-BD59-A6C34878D82A}">
-                    <a16:rowId xmlns="" xmlns:a16="http://schemas.microsoft.com/office/drawing/2014/main" val="3213435354"/>
+                    <a16:rowId xmlns:a16="http://schemas.microsoft.com/office/drawing/2014/main" xmlns="" val="3213435354"/>
                   </a:ext>
                 </a:extLst>
               </a:tr>
@@ -10032,7 +9961,7 @@
                 </a:tc>
                 <a:extLst>
                   <a:ext uri="{0D108BD9-81ED-4DB2-BD59-A6C34878D82A}">
-                    <a16:rowId xmlns="" xmlns:a16="http://schemas.microsoft.com/office/drawing/2014/main" val="1680588813"/>
+                    <a16:rowId xmlns:a16="http://schemas.microsoft.com/office/drawing/2014/main" xmlns="" val="1680588813"/>
                   </a:ext>
                 </a:extLst>
               </a:tr>
@@ -10461,7 +10390,7 @@
                 </a:tc>
                 <a:extLst>
                   <a:ext uri="{0D108BD9-81ED-4DB2-BD59-A6C34878D82A}">
-                    <a16:rowId xmlns="" xmlns:a16="http://schemas.microsoft.com/office/drawing/2014/main" val="385880425"/>
+                    <a16:rowId xmlns:a16="http://schemas.microsoft.com/office/drawing/2014/main" xmlns="" val="385880425"/>
                   </a:ext>
                 </a:extLst>
               </a:tr>
@@ -10842,7 +10771,7 @@
                 </a:tc>
                 <a:extLst>
                   <a:ext uri="{0D108BD9-81ED-4DB2-BD59-A6C34878D82A}">
-                    <a16:rowId xmlns="" xmlns:a16="http://schemas.microsoft.com/office/drawing/2014/main" val="2164825074"/>
+                    <a16:rowId xmlns:a16="http://schemas.microsoft.com/office/drawing/2014/main" xmlns="" val="2164825074"/>
                   </a:ext>
                 </a:extLst>
               </a:tr>
@@ -11223,7 +11152,7 @@
                 </a:tc>
                 <a:extLst>
                   <a:ext uri="{0D108BD9-81ED-4DB2-BD59-A6C34878D82A}">
-                    <a16:rowId xmlns="" xmlns:a16="http://schemas.microsoft.com/office/drawing/2014/main" val="4208753233"/>
+                    <a16:rowId xmlns:a16="http://schemas.microsoft.com/office/drawing/2014/main" xmlns="" val="4208753233"/>
                   </a:ext>
                 </a:extLst>
               </a:tr>
@@ -11604,7 +11533,7 @@
                 </a:tc>
                 <a:extLst>
                   <a:ext uri="{0D108BD9-81ED-4DB2-BD59-A6C34878D82A}">
-                    <a16:rowId xmlns="" xmlns:a16="http://schemas.microsoft.com/office/drawing/2014/main" val="2429327641"/>
+                    <a16:rowId xmlns:a16="http://schemas.microsoft.com/office/drawing/2014/main" xmlns="" val="2429327641"/>
                   </a:ext>
                 </a:extLst>
               </a:tr>
@@ -12033,7 +11962,7 @@
                 </a:tc>
                 <a:extLst>
                   <a:ext uri="{0D108BD9-81ED-4DB2-BD59-A6C34878D82A}">
-                    <a16:rowId xmlns="" xmlns:a16="http://schemas.microsoft.com/office/drawing/2014/main" val="781881754"/>
+                    <a16:rowId xmlns:a16="http://schemas.microsoft.com/office/drawing/2014/main" xmlns="" val="781881754"/>
                   </a:ext>
                 </a:extLst>
               </a:tr>
@@ -12583,7 +12512,7 @@
                 </a:tc>
                 <a:extLst>
                   <a:ext uri="{0D108BD9-81ED-4DB2-BD59-A6C34878D82A}">
-                    <a16:rowId xmlns="" xmlns:a16="http://schemas.microsoft.com/office/drawing/2014/main" val="3539218500"/>
+                    <a16:rowId xmlns:a16="http://schemas.microsoft.com/office/drawing/2014/main" xmlns="" val="3539218500"/>
                   </a:ext>
                 </a:extLst>
               </a:tr>
@@ -13012,7 +12941,7 @@
                 </a:tc>
                 <a:extLst>
                   <a:ext uri="{0D108BD9-81ED-4DB2-BD59-A6C34878D82A}">
-                    <a16:rowId xmlns="" xmlns:a16="http://schemas.microsoft.com/office/drawing/2014/main" val="1661717561"/>
+                    <a16:rowId xmlns:a16="http://schemas.microsoft.com/office/drawing/2014/main" xmlns="" val="1661717561"/>
                   </a:ext>
                 </a:extLst>
               </a:tr>
@@ -13393,7 +13322,7 @@
                 </a:tc>
                 <a:extLst>
                   <a:ext uri="{0D108BD9-81ED-4DB2-BD59-A6C34878D82A}">
-                    <a16:rowId xmlns="" xmlns:a16="http://schemas.microsoft.com/office/drawing/2014/main" val="819279476"/>
+                    <a16:rowId xmlns:a16="http://schemas.microsoft.com/office/drawing/2014/main" xmlns="" val="819279476"/>
                   </a:ext>
                 </a:extLst>
               </a:tr>
@@ -13774,7 +13703,7 @@
                 </a:tc>
                 <a:extLst>
                   <a:ext uri="{0D108BD9-81ED-4DB2-BD59-A6C34878D82A}">
-                    <a16:rowId xmlns="" xmlns:a16="http://schemas.microsoft.com/office/drawing/2014/main" val="835629642"/>
+                    <a16:rowId xmlns:a16="http://schemas.microsoft.com/office/drawing/2014/main" xmlns="" val="835629642"/>
                   </a:ext>
                 </a:extLst>
               </a:tr>
@@ -14155,7 +14084,7 @@
                 </a:tc>
                 <a:extLst>
                   <a:ext uri="{0D108BD9-81ED-4DB2-BD59-A6C34878D82A}">
-                    <a16:rowId xmlns="" xmlns:a16="http://schemas.microsoft.com/office/drawing/2014/main" val="3763058714"/>
+                    <a16:rowId xmlns:a16="http://schemas.microsoft.com/office/drawing/2014/main" xmlns="" val="3763058714"/>
                   </a:ext>
                 </a:extLst>
               </a:tr>
@@ -14584,7 +14513,7 @@
                 </a:tc>
                 <a:extLst>
                   <a:ext uri="{0D108BD9-81ED-4DB2-BD59-A6C34878D82A}">
-                    <a16:rowId xmlns="" xmlns:a16="http://schemas.microsoft.com/office/drawing/2014/main" val="1462665552"/>
+                    <a16:rowId xmlns:a16="http://schemas.microsoft.com/office/drawing/2014/main" xmlns="" val="1462665552"/>
                   </a:ext>
                 </a:extLst>
               </a:tr>
@@ -15255,7 +15184,7 @@
                 <a:spcPct val="100000"/>
               </a:lnSpc>
               <a:spcBef>
-                <a:spcPts val="0"/>
+                <a:spcPts val="600"/>
               </a:spcBef>
               <a:spcAft>
                 <a:spcPts val="0"/>
@@ -15263,10 +15192,10 @@
               <a:buNone/>
             </a:pPr>
             <a:r>
-              <a:rPr lang="en" sz="1000"/>
-              <a:t>School District analysis presented several challenges: </a:t>
+              <a:rPr lang="en" sz="1100" dirty="0" smtClean="0"/>
+              <a:t>Several factors with respect to the dataset and methodology need  to be carefully considered in light of client’s credit outlook and any regulatory requirements: </a:t>
             </a:r>
-            <a:endParaRPr sz="1000"/>
+            <a:endParaRPr sz="1100"/>
           </a:p>
           <a:p>
             <a:pPr marL="457200" lvl="0" indent="-292100" algn="l" rtl="0">
@@ -15274,7 +15203,7 @@
                 <a:spcPct val="100000"/>
               </a:lnSpc>
               <a:spcBef>
-                <a:spcPts val="0"/>
+                <a:spcPts val="600"/>
               </a:spcBef>
               <a:spcAft>
                 <a:spcPts val="0"/>
@@ -15286,14 +15215,40 @@
               <a:buChar char="●"/>
             </a:pPr>
             <a:r>
-              <a:rPr lang="en" sz="1000">
+              <a:rPr lang="en" sz="1100" dirty="0" smtClean="0">
                 <a:solidFill>
                   <a:schemeClr val="dk1"/>
                 </a:solidFill>
               </a:rPr>
-              <a:t>Matching School Districts to Neighborhoods proved to be time consuming, with school District Boundaries have changed over time...</a:t>
+              <a:t>Details of loan balance and payments (interest/principal split) , pricing  and default penalties...</a:t>
             </a:r>
-            <a:endParaRPr sz="1000">
+          </a:p>
+          <a:p>
+            <a:pPr marL="457200" lvl="0" indent="-292100" algn="l" rtl="0">
+              <a:lnSpc>
+                <a:spcPct val="100000"/>
+              </a:lnSpc>
+              <a:spcBef>
+                <a:spcPts val="600"/>
+              </a:spcBef>
+              <a:spcAft>
+                <a:spcPts val="0"/>
+              </a:spcAft>
+              <a:buClr>
+                <a:schemeClr val="dk1"/>
+              </a:buClr>
+              <a:buSzPts val="1000"/>
+              <a:buChar char="●"/>
+            </a:pPr>
+            <a:r>
+              <a:rPr lang="en" sz="1100" dirty="0" smtClean="0">
+                <a:solidFill>
+                  <a:schemeClr val="dk1"/>
+                </a:solidFill>
+              </a:rPr>
+              <a:t>Definition,  methodology and timing for loan roll-backs and roll-forward ...</a:t>
+            </a:r>
+            <a:endParaRPr sz="1100">
               <a:solidFill>
                 <a:schemeClr val="dk1"/>
               </a:solidFill>
@@ -15305,7 +15260,7 @@
                 <a:spcPct val="100000"/>
               </a:lnSpc>
               <a:spcBef>
-                <a:spcPts val="0"/>
+                <a:spcPts val="600"/>
               </a:spcBef>
               <a:spcAft>
                 <a:spcPts val="0"/>
@@ -15317,14 +15272,14 @@
               <a:buChar char="●"/>
             </a:pPr>
             <a:r>
-              <a:rPr lang="en" sz="1000">
+              <a:rPr lang="en" sz="1100" dirty="0" smtClean="0">
                 <a:solidFill>
                   <a:schemeClr val="dk1"/>
                 </a:solidFill>
               </a:rPr>
-              <a:t>The school district does not represent educational value, some rich families send their children to private schools instead...</a:t>
+              <a:t>QC and revalidation of 6 monthly data particularly rollb and rolf...</a:t>
             </a:r>
-            <a:endParaRPr sz="1000">
+            <a:endParaRPr sz="1100">
               <a:solidFill>
                 <a:schemeClr val="dk1"/>
               </a:solidFill>
@@ -15336,7 +15291,7 @@
                 <a:spcPct val="100000"/>
               </a:lnSpc>
               <a:spcBef>
-                <a:spcPts val="0"/>
+                <a:spcPts val="600"/>
               </a:spcBef>
               <a:spcAft>
                 <a:spcPts val="0"/>
@@ -15348,14 +15303,90 @@
               <a:buChar char="●"/>
             </a:pPr>
             <a:r>
-              <a:rPr lang="en" sz="1000">
+              <a:rPr lang="en" sz="1100" dirty="0" smtClean="0">
                 <a:solidFill>
                   <a:schemeClr val="dk1"/>
                 </a:solidFill>
               </a:rPr>
-              <a:t>Our team only included middle and elementary school ratings because of the high school system in New York…</a:t>
+              <a:t>Historical data for agent calls and responses as well and link back to results (rollb/forward)...</a:t>
             </a:r>
-            <a:endParaRPr sz="1000">
+          </a:p>
+          <a:p>
+            <a:pPr marL="457200" lvl="0" indent="-292100" algn="l" rtl="0">
+              <a:lnSpc>
+                <a:spcPct val="100000"/>
+              </a:lnSpc>
+              <a:spcBef>
+                <a:spcPts val="600"/>
+              </a:spcBef>
+              <a:spcAft>
+                <a:spcPts val="0"/>
+              </a:spcAft>
+              <a:buClr>
+                <a:schemeClr val="dk1"/>
+              </a:buClr>
+              <a:buSzPts val="1000"/>
+              <a:buChar char="●"/>
+            </a:pPr>
+            <a:r>
+              <a:rPr lang="en-US" sz="1100" dirty="0" smtClean="0">
+                <a:solidFill>
+                  <a:schemeClr val="dk1"/>
+                </a:solidFill>
+              </a:rPr>
+              <a:t>D</a:t>
+            </a:r>
+            <a:r>
+              <a:rPr lang="en" sz="1100" dirty="0" smtClean="0">
+                <a:solidFill>
+                  <a:schemeClr val="dk1"/>
+                </a:solidFill>
+              </a:rPr>
+              <a:t>efinition and features of target </a:t>
+            </a:r>
+            <a:r>
+              <a:rPr lang="en" sz="1100" dirty="0" smtClean="0">
+                <a:solidFill>
+                  <a:schemeClr val="dk1"/>
+                </a:solidFill>
+              </a:rPr>
+              <a:t> variable in light of the sampling methodology...</a:t>
+            </a:r>
+          </a:p>
+          <a:p>
+            <a:pPr marL="457200" lvl="0" indent="-292100" algn="l" rtl="0">
+              <a:lnSpc>
+                <a:spcPct val="100000"/>
+              </a:lnSpc>
+              <a:spcBef>
+                <a:spcPts val="600"/>
+              </a:spcBef>
+              <a:spcAft>
+                <a:spcPts val="0"/>
+              </a:spcAft>
+              <a:buClr>
+                <a:schemeClr val="dk1"/>
+              </a:buClr>
+              <a:buSzPts val="1000"/>
+              <a:buChar char="●"/>
+            </a:pPr>
+            <a:r>
+              <a:rPr lang="en-US" sz="1100" dirty="0" smtClean="0">
+                <a:solidFill>
+                  <a:schemeClr val="dk1"/>
+                </a:solidFill>
+              </a:rPr>
+              <a:t>C</a:t>
+            </a:r>
+            <a:r>
+              <a:rPr lang="en" sz="1100" dirty="0" smtClean="0">
+                <a:solidFill>
+                  <a:schemeClr val="dk1"/>
+                </a:solidFill>
+              </a:rPr>
+              <a:t>alibration of prediction model in light of tabove factors and he risk policies of client and portfolio risk considerations...</a:t>
+            </a:r>
+            <a:endParaRPr sz="1100">
               <a:solidFill>
                 <a:schemeClr val="dk1"/>
               </a:solidFill>
@@ -15366,107 +15397,6 @@
               <a:lnSpc>
                 <a:spcPct val="100000"/>
               </a:lnSpc>
-              <a:spcBef>
-                <a:spcPts val="0"/>
-              </a:spcBef>
-              <a:spcAft>
-                <a:spcPts val="0"/>
-              </a:spcAft>
-              <a:buNone/>
-            </a:pPr>
-            <a:endParaRPr sz="1000">
-              <a:solidFill>
-                <a:schemeClr val="dk1"/>
-              </a:solidFill>
-            </a:endParaRPr>
-          </a:p>
-          <a:p>
-            <a:pPr marL="0" lvl="0" indent="0" algn="l" rtl="0">
-              <a:spcBef>
-                <a:spcPts val="0"/>
-              </a:spcBef>
-              <a:spcAft>
-                <a:spcPts val="0"/>
-              </a:spcAft>
-              <a:buClr>
-                <a:schemeClr val="dk1"/>
-              </a:buClr>
-              <a:buSzPts val="1100"/>
-              <a:buFont typeface="Arial"/>
-              <a:buNone/>
-            </a:pPr>
-            <a:r>
-              <a:rPr lang="en" sz="1000">
-                <a:solidFill>
-                  <a:schemeClr val="dk1"/>
-                </a:solidFill>
-              </a:rPr>
-              <a:t>Locational features within the dataset are possibly interdependent presenting challenges for regression:</a:t>
-            </a:r>
-            <a:endParaRPr sz="1000">
-              <a:solidFill>
-                <a:schemeClr val="dk1"/>
-              </a:solidFill>
-            </a:endParaRPr>
-          </a:p>
-          <a:p>
-            <a:pPr marL="457200" lvl="0" indent="-292100" algn="l" rtl="0">
-              <a:spcBef>
-                <a:spcPts val="0"/>
-              </a:spcBef>
-              <a:spcAft>
-                <a:spcPts val="0"/>
-              </a:spcAft>
-              <a:buClr>
-                <a:schemeClr val="dk1"/>
-              </a:buClr>
-              <a:buSzPts val="1000"/>
-              <a:buChar char="●"/>
-            </a:pPr>
-            <a:r>
-              <a:rPr lang="en" sz="1000">
-                <a:solidFill>
-                  <a:schemeClr val="dk1"/>
-                </a:solidFill>
-              </a:rPr>
-              <a:t>School Districts, Neighborhoods and Zip Code features are essentially subsets of each other...  </a:t>
-            </a:r>
-            <a:endParaRPr sz="1000">
-              <a:solidFill>
-                <a:schemeClr val="dk1"/>
-              </a:solidFill>
-            </a:endParaRPr>
-          </a:p>
-          <a:p>
-            <a:pPr marL="457200" lvl="0" indent="-292100" algn="l" rtl="0">
-              <a:spcBef>
-                <a:spcPts val="0"/>
-              </a:spcBef>
-              <a:spcAft>
-                <a:spcPts val="0"/>
-              </a:spcAft>
-              <a:buClr>
-                <a:schemeClr val="dk1"/>
-              </a:buClr>
-              <a:buSzPts val="1000"/>
-              <a:buChar char="●"/>
-            </a:pPr>
-            <a:r>
-              <a:rPr lang="en" sz="1000">
-                <a:solidFill>
-                  <a:schemeClr val="dk1"/>
-                </a:solidFill>
-              </a:rPr>
-              <a:t>Possibly requires feature engineering to effectively incorporate locational variables while addressing multicollinearity and heteroskedasticity... </a:t>
-            </a:r>
-            <a:endParaRPr sz="1000">
-              <a:solidFill>
-                <a:schemeClr val="dk1"/>
-              </a:solidFill>
-            </a:endParaRPr>
-          </a:p>
-          <a:p>
-            <a:pPr marL="0" lvl="0" indent="0" algn="l" rtl="0">
               <a:spcBef>
                 <a:spcPts val="0"/>
               </a:spcBef>
@@ -15513,25 +15443,6 @@
               </a:spcAft>
               <a:buNone/>
             </a:pPr>
-            <a:endParaRPr sz="1000">
-              <a:solidFill>
-                <a:schemeClr val="dk1"/>
-              </a:solidFill>
-            </a:endParaRPr>
-          </a:p>
-          <a:p>
-            <a:pPr marL="0" lvl="0" indent="0" algn="l" rtl="0">
-              <a:lnSpc>
-                <a:spcPct val="100000"/>
-              </a:lnSpc>
-              <a:spcBef>
-                <a:spcPts val="0"/>
-              </a:spcBef>
-              <a:spcAft>
-                <a:spcPts val="0"/>
-              </a:spcAft>
-              <a:buNone/>
-            </a:pPr>
             <a:endParaRPr sz="1000"/>
           </a:p>
           <a:p>
@@ -15545,7 +15456,7 @@
               <a:buNone/>
             </a:pPr>
             <a:r>
-              <a:rPr lang="en" sz="1000">
+              <a:rPr lang="en" sz="1000" dirty="0">
                 <a:solidFill>
                   <a:schemeClr val="dk1"/>
                 </a:solidFill>
@@ -15572,435 +15483,7 @@
               <a:buNone/>
             </a:pPr>
             <a:r>
-              <a:rPr lang="en" sz="1000"/>
-              <a:t> </a:t>
-            </a:r>
-            <a:endParaRPr sz="1000"/>
-          </a:p>
-          <a:p>
-            <a:pPr marL="0" lvl="0" indent="0" algn="l" rtl="0">
-              <a:lnSpc>
-                <a:spcPct val="100000"/>
-              </a:lnSpc>
-              <a:spcBef>
-                <a:spcPts val="0"/>
-              </a:spcBef>
-              <a:spcAft>
-                <a:spcPts val="0"/>
-              </a:spcAft>
-              <a:buNone/>
-            </a:pPr>
-            <a:endParaRPr sz="1000"/>
-          </a:p>
-          <a:p>
-            <a:pPr marL="0" lvl="0" indent="0" algn="l" rtl="0">
-              <a:lnSpc>
-                <a:spcPct val="150000"/>
-              </a:lnSpc>
-              <a:spcBef>
-                <a:spcPts val="0"/>
-              </a:spcBef>
-              <a:spcAft>
-                <a:spcPts val="0"/>
-              </a:spcAft>
-              <a:buNone/>
-            </a:pPr>
-            <a:endParaRPr sz="1000"/>
-          </a:p>
-        </p:txBody>
-      </p:sp>
-      <p:sp>
-        <p:nvSpPr>
-          <p:cNvPr id="175" name="Google Shape;175;p26"/>
-          <p:cNvSpPr txBox="1"/>
-          <p:nvPr/>
-        </p:nvSpPr>
-        <p:spPr>
-          <a:xfrm>
-            <a:off x="4502350" y="982075"/>
-            <a:ext cx="4329900" cy="3616500"/>
-          </a:xfrm>
-          <a:prstGeom prst="rect">
-            <a:avLst/>
-          </a:prstGeom>
-          <a:noFill/>
-          <a:ln>
-            <a:noFill/>
-          </a:ln>
-        </p:spPr>
-        <p:txBody>
-          <a:bodyPr spcFirstLastPara="1" wrap="square" lIns="91425" tIns="91425" rIns="91425" bIns="91425" anchor="t" anchorCtr="0">
-            <a:noAutofit/>
-          </a:bodyPr>
-          <a:lstStyle/>
-          <a:p>
-            <a:pPr marL="0" lvl="0" indent="0" algn="l" rtl="0">
-              <a:lnSpc>
-                <a:spcPct val="100000"/>
-              </a:lnSpc>
-              <a:spcBef>
-                <a:spcPts val="0"/>
-              </a:spcBef>
-              <a:spcAft>
-                <a:spcPts val="0"/>
-              </a:spcAft>
-              <a:buNone/>
-            </a:pPr>
-            <a:r>
-              <a:rPr lang="en" sz="1000"/>
-              <a:t>Large Datasets are a blessing and a curse: </a:t>
-            </a:r>
-            <a:endParaRPr sz="1000"/>
-          </a:p>
-          <a:p>
-            <a:pPr marL="457200" lvl="0" indent="-292100" algn="l" rtl="0">
-              <a:spcBef>
-                <a:spcPts val="0"/>
-              </a:spcBef>
-              <a:spcAft>
-                <a:spcPts val="0"/>
-              </a:spcAft>
-              <a:buClr>
-                <a:schemeClr val="dk1"/>
-              </a:buClr>
-              <a:buSzPts val="1000"/>
-              <a:buChar char="●"/>
-            </a:pPr>
-            <a:r>
-              <a:rPr lang="en" sz="1000">
-                <a:solidFill>
-                  <a:schemeClr val="dk1"/>
-                </a:solidFill>
-              </a:rPr>
-              <a:t>With 111 features and large number of observations the data presented tremendous analytical and predictive opportunities...</a:t>
-            </a:r>
-            <a:endParaRPr sz="1000">
-              <a:solidFill>
-                <a:schemeClr val="dk1"/>
-              </a:solidFill>
-            </a:endParaRPr>
-          </a:p>
-          <a:p>
-            <a:pPr marL="457200" lvl="0" indent="-292100" algn="l" rtl="0">
-              <a:spcBef>
-                <a:spcPts val="0"/>
-              </a:spcBef>
-              <a:spcAft>
-                <a:spcPts val="0"/>
-              </a:spcAft>
-              <a:buClr>
-                <a:schemeClr val="dk1"/>
-              </a:buClr>
-              <a:buSzPts val="1000"/>
-              <a:buChar char="●"/>
-            </a:pPr>
-            <a:r>
-              <a:rPr lang="en" sz="1000">
-                <a:solidFill>
-                  <a:schemeClr val="dk1"/>
-                </a:solidFill>
-              </a:rPr>
-              <a:t>The process of identifying and zoning into manageable chunks of information was time consuming and tedious...</a:t>
-            </a:r>
-            <a:endParaRPr sz="1000">
-              <a:solidFill>
-                <a:schemeClr val="dk1"/>
-              </a:solidFill>
-            </a:endParaRPr>
-          </a:p>
-          <a:p>
-            <a:pPr marL="457200" lvl="0" indent="-292100" algn="l" rtl="0">
-              <a:spcBef>
-                <a:spcPts val="0"/>
-              </a:spcBef>
-              <a:spcAft>
-                <a:spcPts val="0"/>
-              </a:spcAft>
-              <a:buClr>
-                <a:schemeClr val="dk1"/>
-              </a:buClr>
-              <a:buSzPts val="1000"/>
-              <a:buChar char="●"/>
-            </a:pPr>
-            <a:r>
-              <a:rPr lang="en" sz="1000">
-                <a:solidFill>
-                  <a:schemeClr val="dk1"/>
-                </a:solidFill>
-              </a:rPr>
-              <a:t>With several interdependencies and overlaps, the right answer to many a question was usually another bigger question...</a:t>
-            </a:r>
-            <a:endParaRPr sz="1000">
-              <a:solidFill>
-                <a:schemeClr val="dk1"/>
-              </a:solidFill>
-            </a:endParaRPr>
-          </a:p>
-          <a:p>
-            <a:pPr marL="0" lvl="0" indent="0" algn="l" rtl="0">
-              <a:lnSpc>
-                <a:spcPct val="100000"/>
-              </a:lnSpc>
-              <a:spcBef>
-                <a:spcPts val="0"/>
-              </a:spcBef>
-              <a:spcAft>
-                <a:spcPts val="0"/>
-              </a:spcAft>
-              <a:buNone/>
-            </a:pPr>
-            <a:endParaRPr sz="1000"/>
-          </a:p>
-          <a:p>
-            <a:pPr marL="0" lvl="0" indent="0" algn="l" rtl="0">
-              <a:lnSpc>
-                <a:spcPct val="100000"/>
-              </a:lnSpc>
-              <a:spcBef>
-                <a:spcPts val="0"/>
-              </a:spcBef>
-              <a:spcAft>
-                <a:spcPts val="0"/>
-              </a:spcAft>
-              <a:buNone/>
-            </a:pPr>
-            <a:r>
-              <a:rPr lang="en" sz="1000"/>
-              <a:t>Visualizations are useful in quickly identifying trends which may otherwise take longer / be difficult to verify/validate: </a:t>
-            </a:r>
-            <a:endParaRPr sz="1000"/>
-          </a:p>
-          <a:p>
-            <a:pPr marL="457200" lvl="0" indent="-292100" algn="l" rtl="0">
-              <a:spcBef>
-                <a:spcPts val="0"/>
-              </a:spcBef>
-              <a:spcAft>
-                <a:spcPts val="0"/>
-              </a:spcAft>
-              <a:buClr>
-                <a:schemeClr val="dk1"/>
-              </a:buClr>
-              <a:buSzPts val="1000"/>
-              <a:buChar char="●"/>
-            </a:pPr>
-            <a:r>
-              <a:rPr lang="en" sz="1000">
-                <a:solidFill>
-                  <a:schemeClr val="dk1"/>
-                </a:solidFill>
-              </a:rPr>
-              <a:t>Scatter plot visualization point to a clear trend in neighbourhoods closer to manhattan being more expensive..</a:t>
-            </a:r>
-            <a:endParaRPr sz="1000">
-              <a:solidFill>
-                <a:schemeClr val="dk1"/>
-              </a:solidFill>
-            </a:endParaRPr>
-          </a:p>
-          <a:p>
-            <a:pPr marL="457200" lvl="0" indent="-292100" algn="l" rtl="0">
-              <a:spcBef>
-                <a:spcPts val="0"/>
-              </a:spcBef>
-              <a:spcAft>
-                <a:spcPts val="0"/>
-              </a:spcAft>
-              <a:buClr>
-                <a:schemeClr val="dk1"/>
-              </a:buClr>
-              <a:buSzPts val="1000"/>
-              <a:buChar char="●"/>
-            </a:pPr>
-            <a:r>
-              <a:rPr lang="en" sz="1000">
-                <a:solidFill>
-                  <a:schemeClr val="dk1"/>
-                </a:solidFill>
-              </a:rPr>
-              <a:t>Box plots enabled comparison of locational variables across the board allowing identification of school districts as focus variable for analysis</a:t>
-            </a:r>
-            <a:endParaRPr sz="1000">
-              <a:solidFill>
-                <a:schemeClr val="dk1"/>
-              </a:solidFill>
-            </a:endParaRPr>
-          </a:p>
-          <a:p>
-            <a:pPr marL="0" lvl="0" indent="0" algn="l" rtl="0">
-              <a:spcBef>
-                <a:spcPts val="0"/>
-              </a:spcBef>
-              <a:spcAft>
-                <a:spcPts val="0"/>
-              </a:spcAft>
-              <a:buNone/>
-            </a:pPr>
-            <a:endParaRPr sz="1000">
-              <a:solidFill>
-                <a:schemeClr val="dk1"/>
-              </a:solidFill>
-            </a:endParaRPr>
-          </a:p>
-          <a:p>
-            <a:pPr marL="0" lvl="0" indent="0" algn="l" rtl="0">
-              <a:spcBef>
-                <a:spcPts val="0"/>
-              </a:spcBef>
-              <a:spcAft>
-                <a:spcPts val="0"/>
-              </a:spcAft>
-              <a:buNone/>
-            </a:pPr>
-            <a:r>
-              <a:rPr lang="en" sz="1000">
-                <a:solidFill>
-                  <a:schemeClr val="dk1"/>
-                </a:solidFill>
-              </a:rPr>
-              <a:t>Interpreting and calibrating regressions/ML models to produce meaningful outputs is perhaps the real challenge :</a:t>
-            </a:r>
-            <a:endParaRPr sz="1000">
-              <a:solidFill>
-                <a:schemeClr val="dk1"/>
-              </a:solidFill>
-            </a:endParaRPr>
-          </a:p>
-          <a:p>
-            <a:pPr marL="457200" lvl="0" indent="-292100" algn="l" rtl="0">
-              <a:spcBef>
-                <a:spcPts val="0"/>
-              </a:spcBef>
-              <a:spcAft>
-                <a:spcPts val="0"/>
-              </a:spcAft>
-              <a:buClr>
-                <a:schemeClr val="dk1"/>
-              </a:buClr>
-              <a:buSzPts val="1000"/>
-              <a:buChar char="●"/>
-            </a:pPr>
-            <a:r>
-              <a:rPr lang="en" sz="1000">
-                <a:solidFill>
-                  <a:schemeClr val="dk1"/>
-                </a:solidFill>
-              </a:rPr>
-              <a:t>R Squared is not the only variable to be focused on... </a:t>
-            </a:r>
-            <a:endParaRPr sz="1000">
-              <a:solidFill>
-                <a:schemeClr val="dk1"/>
-              </a:solidFill>
-            </a:endParaRPr>
-          </a:p>
-          <a:p>
-            <a:pPr marL="457200" lvl="0" indent="-292100" algn="l" rtl="0">
-              <a:spcBef>
-                <a:spcPts val="0"/>
-              </a:spcBef>
-              <a:spcAft>
-                <a:spcPts val="0"/>
-              </a:spcAft>
-              <a:buClr>
-                <a:schemeClr val="dk1"/>
-              </a:buClr>
-              <a:buSzPts val="1000"/>
-              <a:buChar char="●"/>
-            </a:pPr>
-            <a:r>
-              <a:rPr lang="en" sz="1000">
-                <a:solidFill>
-                  <a:schemeClr val="dk1"/>
-                </a:solidFill>
-              </a:rPr>
-              <a:t>Understanding and keeping track how results relate to the changes in inputs requires discipline and experience</a:t>
-            </a:r>
-            <a:endParaRPr sz="1000">
-              <a:solidFill>
-                <a:schemeClr val="dk1"/>
-              </a:solidFill>
-            </a:endParaRPr>
-          </a:p>
-          <a:p>
-            <a:pPr marL="0" lvl="0" indent="0" algn="l" rtl="0">
-              <a:spcBef>
-                <a:spcPts val="0"/>
-              </a:spcBef>
-              <a:spcAft>
-                <a:spcPts val="0"/>
-              </a:spcAft>
-              <a:buNone/>
-            </a:pPr>
-            <a:r>
-              <a:rPr lang="en" sz="1000">
-                <a:solidFill>
-                  <a:schemeClr val="dk1"/>
-                </a:solidFill>
-              </a:rPr>
-              <a:t> </a:t>
-            </a:r>
-            <a:endParaRPr sz="1000">
-              <a:solidFill>
-                <a:schemeClr val="dk1"/>
-              </a:solidFill>
-            </a:endParaRPr>
-          </a:p>
-          <a:p>
-            <a:pPr marL="0" lvl="0" indent="0" algn="l" rtl="0">
-              <a:spcBef>
-                <a:spcPts val="0"/>
-              </a:spcBef>
-              <a:spcAft>
-                <a:spcPts val="0"/>
-              </a:spcAft>
-              <a:buNone/>
-            </a:pPr>
-            <a:endParaRPr sz="1000">
-              <a:solidFill>
-                <a:schemeClr val="dk1"/>
-              </a:solidFill>
-            </a:endParaRPr>
-          </a:p>
-          <a:p>
-            <a:pPr marL="0" lvl="0" indent="0" algn="l" rtl="0">
-              <a:spcBef>
-                <a:spcPts val="0"/>
-              </a:spcBef>
-              <a:spcAft>
-                <a:spcPts val="0"/>
-              </a:spcAft>
-              <a:buNone/>
-            </a:pPr>
-            <a:r>
-              <a:rPr lang="en" sz="1000">
-                <a:solidFill>
-                  <a:schemeClr val="dk1"/>
-                </a:solidFill>
-              </a:rPr>
-              <a:t>  </a:t>
-            </a:r>
-            <a:endParaRPr sz="1000">
-              <a:solidFill>
-                <a:schemeClr val="dk1"/>
-              </a:solidFill>
-            </a:endParaRPr>
-          </a:p>
-          <a:p>
-            <a:pPr marL="0" lvl="0" indent="457200" algn="l" rtl="0">
-              <a:lnSpc>
-                <a:spcPct val="100000"/>
-              </a:lnSpc>
-              <a:spcBef>
-                <a:spcPts val="0"/>
-              </a:spcBef>
-              <a:spcAft>
-                <a:spcPts val="0"/>
-              </a:spcAft>
-              <a:buNone/>
-            </a:pPr>
-            <a:r>
-              <a:rPr lang="en" sz="1000"/>
+              <a:rPr lang="en" sz="1000" dirty="0"/>
               <a:t> </a:t>
             </a:r>
             <a:endParaRPr sz="1000"/>
@@ -16156,10 +15639,311 @@
               <a:buNone/>
             </a:pPr>
             <a:r>
-              <a:rPr lang="en" sz="1800"/>
-              <a:t>Key Observations</a:t>
+              <a:rPr lang="en" sz="1800" dirty="0" smtClean="0"/>
+              <a:t>Some Observations...</a:t>
             </a:r>
             <a:endParaRPr sz="1800"/>
+          </a:p>
+        </p:txBody>
+      </p:sp>
+      <p:sp>
+        <p:nvSpPr>
+          <p:cNvPr id="7" name="Google Shape;174;p26"/>
+          <p:cNvSpPr txBox="1"/>
+          <p:nvPr/>
+        </p:nvSpPr>
+        <p:spPr>
+          <a:xfrm>
+            <a:off x="4483024" y="943081"/>
+            <a:ext cx="4003200" cy="3616500"/>
+          </a:xfrm>
+          <a:prstGeom prst="rect">
+            <a:avLst/>
+          </a:prstGeom>
+          <a:noFill/>
+          <a:ln>
+            <a:noFill/>
+          </a:ln>
+        </p:spPr>
+        <p:txBody>
+          <a:bodyPr spcFirstLastPara="1" wrap="square" lIns="91425" tIns="91425" rIns="91425" bIns="91425" anchor="t" anchorCtr="0">
+            <a:noAutofit/>
+          </a:bodyPr>
+          <a:lstStyle/>
+          <a:p>
+            <a:pPr marL="457200" lvl="0" indent="-292100" algn="l" rtl="0">
+              <a:lnSpc>
+                <a:spcPct val="100000"/>
+              </a:lnSpc>
+              <a:spcBef>
+                <a:spcPts val="600"/>
+              </a:spcBef>
+              <a:spcAft>
+                <a:spcPts val="0"/>
+              </a:spcAft>
+              <a:buClr>
+                <a:schemeClr val="dk1"/>
+              </a:buClr>
+              <a:buSzPts val="1000"/>
+              <a:buChar char="●"/>
+            </a:pPr>
+            <a:r>
+              <a:rPr lang="en" sz="1100" dirty="0" smtClean="0">
+                <a:solidFill>
+                  <a:schemeClr val="dk1"/>
+                </a:solidFill>
+              </a:rPr>
+              <a:t>Current analysis and modelling is overly dependant on dataset limitations and assumptions...</a:t>
+            </a:r>
+          </a:p>
+          <a:p>
+            <a:pPr marL="457200" lvl="0" indent="-292100" algn="l" rtl="0">
+              <a:lnSpc>
+                <a:spcPct val="100000"/>
+              </a:lnSpc>
+              <a:spcBef>
+                <a:spcPts val="600"/>
+              </a:spcBef>
+              <a:spcAft>
+                <a:spcPts val="0"/>
+              </a:spcAft>
+              <a:buClr>
+                <a:schemeClr val="dk1"/>
+              </a:buClr>
+              <a:buSzPts val="1000"/>
+              <a:buChar char="●"/>
+            </a:pPr>
+            <a:r>
+              <a:rPr lang="en" sz="1100" dirty="0" smtClean="0">
+                <a:solidFill>
+                  <a:schemeClr val="dk1"/>
+                </a:solidFill>
+              </a:rPr>
+              <a:t>Current target definition has been calibrated in line with broad portfolio of models (XGB / DT / LR) and needs to be optimized for final model choice...</a:t>
+            </a:r>
+          </a:p>
+          <a:p>
+            <a:pPr marL="457200" lvl="0" indent="-292100" algn="l" rtl="0">
+              <a:lnSpc>
+                <a:spcPct val="100000"/>
+              </a:lnSpc>
+              <a:spcBef>
+                <a:spcPts val="600"/>
+              </a:spcBef>
+              <a:spcAft>
+                <a:spcPts val="0"/>
+              </a:spcAft>
+              <a:buClr>
+                <a:schemeClr val="dk1"/>
+              </a:buClr>
+              <a:buSzPts val="1000"/>
+              <a:buChar char="●"/>
+            </a:pPr>
+            <a:r>
+              <a:rPr lang="en" sz="1100" dirty="0" smtClean="0">
+                <a:solidFill>
+                  <a:schemeClr val="dk1"/>
+                </a:solidFill>
+              </a:rPr>
+              <a:t>Further room for feature engineering based on discussion and additional data...</a:t>
+            </a:r>
+          </a:p>
+          <a:p>
+            <a:pPr marL="457200" lvl="0" indent="-292100" algn="l" rtl="0">
+              <a:lnSpc>
+                <a:spcPct val="100000"/>
+              </a:lnSpc>
+              <a:spcBef>
+                <a:spcPts val="600"/>
+              </a:spcBef>
+              <a:spcAft>
+                <a:spcPts val="0"/>
+              </a:spcAft>
+              <a:buClr>
+                <a:schemeClr val="dk1"/>
+              </a:buClr>
+              <a:buSzPts val="1000"/>
+              <a:buChar char="●"/>
+            </a:pPr>
+            <a:r>
+              <a:rPr lang="en" sz="1100" dirty="0" smtClean="0">
+                <a:solidFill>
+                  <a:schemeClr val="dk1"/>
+                </a:solidFill>
+              </a:rPr>
+              <a:t>Choice of final modelling methodology needs to be considered further...</a:t>
+            </a:r>
+          </a:p>
+          <a:p>
+            <a:pPr marL="457200" lvl="0" indent="-292100" algn="l" rtl="0">
+              <a:lnSpc>
+                <a:spcPct val="100000"/>
+              </a:lnSpc>
+              <a:spcBef>
+                <a:spcPts val="600"/>
+              </a:spcBef>
+              <a:spcAft>
+                <a:spcPts val="0"/>
+              </a:spcAft>
+              <a:buClr>
+                <a:schemeClr val="dk1"/>
+              </a:buClr>
+              <a:buSzPts val="1000"/>
+            </a:pPr>
+            <a:endParaRPr lang="en" sz="1100" dirty="0" smtClean="0">
+              <a:solidFill>
+                <a:schemeClr val="dk1"/>
+              </a:solidFill>
+            </a:endParaRPr>
+          </a:p>
+          <a:p>
+            <a:pPr marL="457200" lvl="0" indent="-292100" algn="l" rtl="0">
+              <a:lnSpc>
+                <a:spcPct val="100000"/>
+              </a:lnSpc>
+              <a:spcBef>
+                <a:spcPts val="600"/>
+              </a:spcBef>
+              <a:spcAft>
+                <a:spcPts val="0"/>
+              </a:spcAft>
+              <a:buClr>
+                <a:schemeClr val="dk1"/>
+              </a:buClr>
+              <a:buSzPts val="1000"/>
+              <a:buChar char="●"/>
+            </a:pPr>
+            <a:endParaRPr sz="1100">
+              <a:solidFill>
+                <a:schemeClr val="dk1"/>
+              </a:solidFill>
+            </a:endParaRPr>
+          </a:p>
+          <a:p>
+            <a:pPr marL="0" lvl="0" indent="0" algn="l" rtl="0">
+              <a:lnSpc>
+                <a:spcPct val="100000"/>
+              </a:lnSpc>
+              <a:spcBef>
+                <a:spcPts val="0"/>
+              </a:spcBef>
+              <a:spcAft>
+                <a:spcPts val="0"/>
+              </a:spcAft>
+              <a:buNone/>
+            </a:pPr>
+            <a:endParaRPr sz="1000">
+              <a:solidFill>
+                <a:schemeClr val="dk1"/>
+              </a:solidFill>
+            </a:endParaRPr>
+          </a:p>
+          <a:p>
+            <a:pPr marL="0" lvl="0" indent="0" algn="l" rtl="0">
+              <a:lnSpc>
+                <a:spcPct val="100000"/>
+              </a:lnSpc>
+              <a:spcBef>
+                <a:spcPts val="0"/>
+              </a:spcBef>
+              <a:spcAft>
+                <a:spcPts val="0"/>
+              </a:spcAft>
+              <a:buNone/>
+            </a:pPr>
+            <a:endParaRPr sz="1000">
+              <a:solidFill>
+                <a:schemeClr val="dk1"/>
+              </a:solidFill>
+            </a:endParaRPr>
+          </a:p>
+          <a:p>
+            <a:pPr marL="0" lvl="0" indent="0" algn="l" rtl="0">
+              <a:lnSpc>
+                <a:spcPct val="100000"/>
+              </a:lnSpc>
+              <a:spcBef>
+                <a:spcPts val="0"/>
+              </a:spcBef>
+              <a:spcAft>
+                <a:spcPts val="0"/>
+              </a:spcAft>
+              <a:buNone/>
+            </a:pPr>
+            <a:endParaRPr sz="1000"/>
+          </a:p>
+          <a:p>
+            <a:pPr marL="0" lvl="0" indent="0" algn="l" rtl="0">
+              <a:spcBef>
+                <a:spcPts val="0"/>
+              </a:spcBef>
+              <a:spcAft>
+                <a:spcPts val="0"/>
+              </a:spcAft>
+              <a:buNone/>
+            </a:pPr>
+            <a:r>
+              <a:rPr lang="en" sz="1000" dirty="0">
+                <a:solidFill>
+                  <a:schemeClr val="dk1"/>
+                </a:solidFill>
+              </a:rPr>
+              <a:t>  </a:t>
+            </a:r>
+            <a:endParaRPr sz="1000">
+              <a:solidFill>
+                <a:schemeClr val="dk1"/>
+              </a:solidFill>
+            </a:endParaRPr>
+          </a:p>
+          <a:p>
+            <a:pPr marL="0" lvl="0" indent="457200" algn="l" rtl="0">
+              <a:lnSpc>
+                <a:spcPct val="100000"/>
+              </a:lnSpc>
+              <a:spcBef>
+                <a:spcPts val="0"/>
+              </a:spcBef>
+              <a:spcAft>
+                <a:spcPts val="0"/>
+              </a:spcAft>
+              <a:buNone/>
+            </a:pPr>
+            <a:r>
+              <a:rPr lang="en" sz="1000" dirty="0"/>
+              <a:t> </a:t>
+            </a:r>
+            <a:endParaRPr sz="1000"/>
+          </a:p>
+          <a:p>
+            <a:pPr marL="0" lvl="0" indent="0" algn="l" rtl="0">
+              <a:lnSpc>
+                <a:spcPct val="100000"/>
+              </a:lnSpc>
+              <a:spcBef>
+                <a:spcPts val="0"/>
+              </a:spcBef>
+              <a:spcAft>
+                <a:spcPts val="0"/>
+              </a:spcAft>
+              <a:buNone/>
+            </a:pPr>
+            <a:endParaRPr sz="1000"/>
+          </a:p>
+          <a:p>
+            <a:pPr marL="0" lvl="0" indent="0" algn="l" rtl="0">
+              <a:lnSpc>
+                <a:spcPct val="150000"/>
+              </a:lnSpc>
+              <a:spcBef>
+                <a:spcPts val="0"/>
+              </a:spcBef>
+              <a:spcAft>
+                <a:spcPts val="0"/>
+              </a:spcAft>
+              <a:buNone/>
+            </a:pPr>
+            <a:endParaRPr sz="1000"/>
           </a:p>
         </p:txBody>
       </p:sp>

--- a/ABC Finance Case Study - v2.pptx
+++ b/ABC Finance Case Study - v2.pptx
@@ -269,7 +269,7 @@
   </p:defaultTextStyle>
   <p:extLst>
     <p:ext uri="{EFAFB233-063F-42B5-8137-9DF3F51BA10A}">
-      <p15:sldGuideLst xmlns:p15="http://schemas.microsoft.com/office/powerpoint/2012/main" xmlns:p14="http://schemas.microsoft.com/office/powerpoint/2010/main" xmlns:com="http://schemas.openxmlformats.org/drawingml/2006/compatibility" xmlns:pvml="urn:schemas-microsoft-com:office:powerpoint" xmlns:v="urn:schemas-microsoft-com:vml" xmlns:o="urn:schemas-microsoft-com:office:office" xmlns:dgm="http://schemas.openxmlformats.org/drawingml/2006/diagram" xmlns:c="http://schemas.openxmlformats.org/drawingml/2006/chart" xmlns:mv="urn:schemas-microsoft-com:mac:vml" xmlns:mc="http://schemas.openxmlformats.org/markup-compatibility/2006" xmlns="">
+      <p15:sldGuideLst xmlns="" xmlns:mc="http://schemas.openxmlformats.org/markup-compatibility/2006" xmlns:mv="urn:schemas-microsoft-com:mac:vml" xmlns:c="http://schemas.openxmlformats.org/drawingml/2006/chart" xmlns:dgm="http://schemas.openxmlformats.org/drawingml/2006/diagram" xmlns:o="urn:schemas-microsoft-com:office:office" xmlns:v="urn:schemas-microsoft-com:vml" xmlns:pvml="urn:schemas-microsoft-com:office:powerpoint" xmlns:com="http://schemas.openxmlformats.org/drawingml/2006/compatibility" xmlns:p14="http://schemas.microsoft.com/office/powerpoint/2010/main" xmlns:p15="http://schemas.microsoft.com/office/powerpoint/2012/main">
         <p15:guide id="1" orient="horz" pos="1620">
           <p15:clr>
             <a:srgbClr val="A4A3A4"/>
@@ -6367,196 +6367,6 @@
       </p:grpSpPr>
       <p:sp>
         <p:nvSpPr>
-          <p:cNvPr id="74" name="Google Shape;74;p15"/>
-          <p:cNvSpPr txBox="1"/>
-          <p:nvPr/>
-        </p:nvSpPr>
-        <p:spPr>
-          <a:xfrm>
-            <a:off x="311700" y="688115"/>
-            <a:ext cx="3030590" cy="3616500"/>
-          </a:xfrm>
-          <a:prstGeom prst="rect">
-            <a:avLst/>
-          </a:prstGeom>
-          <a:noFill/>
-          <a:ln>
-            <a:noFill/>
-          </a:ln>
-        </p:spPr>
-        <p:txBody>
-          <a:bodyPr spcFirstLastPara="1" wrap="square" lIns="91425" tIns="91425" rIns="91425" bIns="91425" anchor="t" anchorCtr="0">
-            <a:noAutofit/>
-          </a:bodyPr>
-          <a:lstStyle/>
-          <a:p>
-            <a:pPr marL="0" lvl="0" indent="0" algn="l" rtl="0">
-              <a:lnSpc>
-                <a:spcPct val="100000"/>
-              </a:lnSpc>
-              <a:spcBef>
-                <a:spcPts val="0"/>
-              </a:spcBef>
-              <a:spcAft>
-                <a:spcPts val="0"/>
-              </a:spcAft>
-              <a:buNone/>
-            </a:pPr>
-            <a:r>
-              <a:rPr lang="en" sz="1000" b="1" dirty="0" smtClean="0"/>
-              <a:t>Roll Forward Rates</a:t>
-            </a:r>
-            <a:endParaRPr sz="1000" b="1"/>
-          </a:p>
-          <a:p>
-            <a:pPr marL="0" lvl="0" indent="0" algn="l" rtl="0">
-              <a:lnSpc>
-                <a:spcPct val="100000"/>
-              </a:lnSpc>
-              <a:spcBef>
-                <a:spcPts val="0"/>
-              </a:spcBef>
-              <a:spcAft>
-                <a:spcPts val="0"/>
-              </a:spcAft>
-              <a:buNone/>
-            </a:pPr>
-            <a:r>
-              <a:rPr lang="en-US" sz="900" dirty="0" smtClean="0"/>
-              <a:t>- </a:t>
-            </a:r>
-          </a:p>
-          <a:p>
-            <a:r>
-              <a:rPr lang="en-US" sz="900" dirty="0" smtClean="0"/>
-              <a:t>- Roll rate for TBO loans in March:  60.9%</a:t>
-            </a:r>
-          </a:p>
-          <a:p>
-            <a:r>
-              <a:rPr lang="en-US" sz="900" dirty="0" smtClean="0"/>
-              <a:t>Roll rate for TB0 loans in April:  67.1%</a:t>
-            </a:r>
-          </a:p>
-          <a:p>
-            <a:r>
-              <a:rPr lang="en-US" sz="900" dirty="0" smtClean="0"/>
-              <a:t>Roll rate for TB0 loans in May:    72.1%</a:t>
-            </a:r>
-          </a:p>
-          <a:p>
-            <a:r>
-              <a:rPr lang="en-US" sz="900" dirty="0" smtClean="0"/>
-              <a:t> </a:t>
-            </a:r>
-          </a:p>
-          <a:p>
-            <a:r>
-              <a:rPr lang="en-US" sz="900" dirty="0" smtClean="0"/>
-              <a:t>Roll rate for March TB0 loans:  1.591%</a:t>
-            </a:r>
-          </a:p>
-          <a:p>
-            <a:r>
-              <a:rPr lang="en-US" sz="900" dirty="0" smtClean="0"/>
-              <a:t>Roll rate for April TB0 loans:  1.998%</a:t>
-            </a:r>
-          </a:p>
-          <a:p>
-            <a:r>
-              <a:rPr lang="en-US" sz="900" dirty="0" smtClean="0"/>
-              <a:t>Roll rate for May TB0 loans:    1.556%</a:t>
-            </a:r>
-          </a:p>
-          <a:p>
-            <a:r>
-              <a:rPr lang="en-US" sz="900" dirty="0" smtClean="0"/>
-              <a:t> </a:t>
-            </a:r>
-          </a:p>
-          <a:p>
-            <a:r>
-              <a:rPr lang="en-US" sz="900" dirty="0" smtClean="0"/>
-              <a:t>Principal Balance Roll forward rate:</a:t>
-            </a:r>
-          </a:p>
-          <a:p>
-            <a:r>
-              <a:rPr lang="en-US" sz="900" dirty="0" smtClean="0"/>
-              <a:t>Total sanctioned amount:  1862351670144</a:t>
-            </a:r>
-          </a:p>
-          <a:p>
-            <a:r>
-              <a:rPr lang="en-US" sz="900" dirty="0" smtClean="0"/>
-              <a:t>Balance roll rate for TB0 loans in March:  44.4 %</a:t>
-            </a:r>
-          </a:p>
-          <a:p>
-            <a:r>
-              <a:rPr lang="en-US" sz="900" dirty="0" smtClean="0"/>
-              <a:t>Balance roll rate for TB0 loans in April:  48.56 %</a:t>
-            </a:r>
-          </a:p>
-          <a:p>
-            <a:r>
-              <a:rPr lang="en-US" sz="900" dirty="0" smtClean="0"/>
-              <a:t>Balance roll rate for TB0 loans in May:    53.39 %</a:t>
-            </a:r>
-          </a:p>
-          <a:p>
-            <a:pPr marL="0" lvl="0" indent="0" algn="l" rtl="0">
-              <a:lnSpc>
-                <a:spcPct val="100000"/>
-              </a:lnSpc>
-              <a:spcBef>
-                <a:spcPts val="0"/>
-              </a:spcBef>
-              <a:spcAft>
-                <a:spcPts val="0"/>
-              </a:spcAft>
-              <a:buNone/>
-            </a:pPr>
-            <a:endParaRPr sz="900"/>
-          </a:p>
-          <a:p>
-            <a:pPr marL="0" lvl="0" indent="0" algn="l" rtl="0">
-              <a:lnSpc>
-                <a:spcPct val="100000"/>
-              </a:lnSpc>
-              <a:spcBef>
-                <a:spcPts val="0"/>
-              </a:spcBef>
-              <a:spcAft>
-                <a:spcPts val="0"/>
-              </a:spcAft>
-              <a:buNone/>
-            </a:pPr>
-            <a:endParaRPr sz="1200" b="1"/>
-          </a:p>
-          <a:p>
-            <a:pPr marL="457200" lvl="0" indent="0" algn="l" rtl="0">
-              <a:lnSpc>
-                <a:spcPct val="115000"/>
-              </a:lnSpc>
-              <a:spcBef>
-                <a:spcPts val="1200"/>
-              </a:spcBef>
-              <a:spcAft>
-                <a:spcPts val="1200"/>
-              </a:spcAft>
-              <a:buNone/>
-            </a:pPr>
-            <a:endParaRPr sz="1000" b="1">
-              <a:solidFill>
-                <a:schemeClr val="dk1"/>
-              </a:solidFill>
-            </a:endParaRPr>
-          </a:p>
-        </p:txBody>
-      </p:sp>
-      <p:sp>
-        <p:nvSpPr>
           <p:cNvPr id="81" name="Google Shape;81;p15"/>
           <p:cNvSpPr txBox="1">
             <a:spLocks noGrp="1"/>
@@ -6594,7 +6404,7 @@
           <p:cNvPr id="10" name="Table 9">
             <a:extLst>
               <a:ext uri="{FF2B5EF4-FFF2-40B4-BE49-F238E27FC236}">
-                <a16:creationId xmlns:a16="http://schemas.microsoft.com/office/drawing/2014/main" xmlns="" id="{A57B0D56-578E-7C47-8E69-EEB60709BD11}"/>
+                <a16:creationId xmlns="" xmlns:a16="http://schemas.microsoft.com/office/drawing/2014/main" id="{A57B0D56-578E-7C47-8E69-EEB60709BD11}"/>
               </a:ext>
             </a:extLst>
           </p:cNvPr>
@@ -6604,50 +6414,50 @@
           <p:nvPr>
             <p:extLst>
               <p:ext uri="{D42A27DB-BD31-4B8C-83A1-F6EECF244321}">
-                <p14:modId xmlns:p14="http://schemas.microsoft.com/office/powerpoint/2010/main" xmlns="" val="3223740064"/>
+                <p14:modId xmlns="" xmlns:p14="http://schemas.microsoft.com/office/powerpoint/2010/main" val="3223740064"/>
               </p:ext>
             </p:extLst>
           </p:nvPr>
         </p:nvGraphicFramePr>
         <p:xfrm>
-          <a:off x="4177861" y="888386"/>
-          <a:ext cx="4559943" cy="1580750"/>
+          <a:off x="561324" y="3003138"/>
+          <a:ext cx="3998577" cy="1560989"/>
         </p:xfrm>
         <a:graphic>
           <a:graphicData uri="http://schemas.openxmlformats.org/drawingml/2006/table">
             <a:tbl>
               <a:tblPr/>
               <a:tblGrid>
-                <a:gridCol w="831122">
+                <a:gridCol w="728804">
                   <a:extLst>
                     <a:ext uri="{9D8B030D-6E8A-4147-A177-3AD203B41FA5}">
-                      <a16:colId xmlns:a16="http://schemas.microsoft.com/office/drawing/2014/main" xmlns="" val="3339747500"/>
+                      <a16:colId xmlns="" xmlns:a16="http://schemas.microsoft.com/office/drawing/2014/main" val="3339747500"/>
                     </a:ext>
                   </a:extLst>
                 </a:gridCol>
-                <a:gridCol w="805174">
+                <a:gridCol w="706051">
                   <a:extLst>
                     <a:ext uri="{9D8B030D-6E8A-4147-A177-3AD203B41FA5}">
-                      <a16:colId xmlns:a16="http://schemas.microsoft.com/office/drawing/2014/main" xmlns="" val="2171048418"/>
+                      <a16:colId xmlns="" xmlns:a16="http://schemas.microsoft.com/office/drawing/2014/main" val="2171048418"/>
                     </a:ext>
                   </a:extLst>
                 </a:gridCol>
-                <a:gridCol w="1773197">
+                <a:gridCol w="1554902">
                   <a:extLst>
                     <a:ext uri="{9D8B030D-6E8A-4147-A177-3AD203B41FA5}">
-                      <a16:colId xmlns:a16="http://schemas.microsoft.com/office/drawing/2014/main" xmlns="" val="505646319"/>
+                      <a16:colId xmlns="" xmlns:a16="http://schemas.microsoft.com/office/drawing/2014/main" val="505646319"/>
                     </a:ext>
                   </a:extLst>
                 </a:gridCol>
-                <a:gridCol w="1150450">
+                <a:gridCol w="1008820">
                   <a:extLst>
                     <a:ext uri="{9D8B030D-6E8A-4147-A177-3AD203B41FA5}">
-                      <a16:colId xmlns:a16="http://schemas.microsoft.com/office/drawing/2014/main" xmlns="" val="3552967369"/>
+                      <a16:colId xmlns="" xmlns:a16="http://schemas.microsoft.com/office/drawing/2014/main" val="3552967369"/>
                     </a:ext>
                   </a:extLst>
                 </a:gridCol>
               </a:tblGrid>
-              <a:tr h="535295">
+              <a:tr h="447278">
                 <a:tc>
                   <a:txBody>
                     <a:bodyPr/>
@@ -6885,11 +6695,11 @@
                 </a:tc>
                 <a:extLst>
                   <a:ext uri="{0D108BD9-81ED-4DB2-BD59-A6C34878D82A}">
-                    <a16:rowId xmlns:a16="http://schemas.microsoft.com/office/drawing/2014/main" xmlns="" val="1760265559"/>
+                    <a16:rowId xmlns="" xmlns:a16="http://schemas.microsoft.com/office/drawing/2014/main" val="1760265559"/>
                   </a:ext>
                 </a:extLst>
               </a:tr>
-              <a:tr h="185572">
+              <a:tr h="163175">
                 <a:tc>
                   <a:txBody>
                     <a:bodyPr/>
@@ -6993,11 +6803,11 @@
                 </a:tc>
                 <a:extLst>
                   <a:ext uri="{0D108BD9-81ED-4DB2-BD59-A6C34878D82A}">
-                    <a16:rowId xmlns:a16="http://schemas.microsoft.com/office/drawing/2014/main" xmlns="" val="227676264"/>
+                    <a16:rowId xmlns="" xmlns:a16="http://schemas.microsoft.com/office/drawing/2014/main" val="227676264"/>
                   </a:ext>
                 </a:extLst>
               </a:tr>
-              <a:tr h="283390">
+              <a:tr h="236793">
                 <a:tc>
                   <a:txBody>
                     <a:bodyPr/>
@@ -7080,7 +6890,7 @@
                         </a:spcAft>
                       </a:pPr>
                       <a:r>
-                        <a:rPr lang="en-US" sz="1200" b="0" i="0" u="none" strike="noStrike">
+                        <a:rPr lang="en-US" sz="1200" b="0" i="0" u="none" strike="noStrike" dirty="0">
                           <a:solidFill>
                             <a:srgbClr val="000000"/>
                           </a:solidFill>
@@ -7089,7 +6899,7 @@
                         </a:rPr>
                         <a:t>60.921</a:t>
                       </a:r>
-                      <a:endParaRPr lang="en-US" sz="1200" b="0" i="0" u="none" strike="noStrike">
+                      <a:endParaRPr lang="en-US" sz="1200" b="0" i="0" u="none" strike="noStrike" dirty="0">
                         <a:effectLst/>
                         <a:latin typeface="Arial" panose="020B0604020202020204" pitchFamily="34" charset="0"/>
                       </a:endParaRPr>
@@ -7272,11 +7082,11 @@
                 </a:tc>
                 <a:extLst>
                   <a:ext uri="{0D108BD9-81ED-4DB2-BD59-A6C34878D82A}">
-                    <a16:rowId xmlns:a16="http://schemas.microsoft.com/office/drawing/2014/main" xmlns="" val="1329572266"/>
+                    <a16:rowId xmlns="" xmlns:a16="http://schemas.microsoft.com/office/drawing/2014/main" val="1329572266"/>
                   </a:ext>
                 </a:extLst>
               </a:tr>
-              <a:tr h="283390">
+              <a:tr h="236793">
                 <a:tc>
                   <a:txBody>
                     <a:bodyPr/>
@@ -7551,11 +7361,11 @@
                 </a:tc>
                 <a:extLst>
                   <a:ext uri="{0D108BD9-81ED-4DB2-BD59-A6C34878D82A}">
-                    <a16:rowId xmlns:a16="http://schemas.microsoft.com/office/drawing/2014/main" xmlns="" val="2157716161"/>
+                    <a16:rowId xmlns="" xmlns:a16="http://schemas.microsoft.com/office/drawing/2014/main" val="2157716161"/>
                   </a:ext>
                 </a:extLst>
               </a:tr>
-              <a:tr h="283390">
+              <a:tr h="236793">
                 <a:tc>
                   <a:txBody>
                     <a:bodyPr/>
@@ -7830,7 +7640,7 @@
                 </a:tc>
                 <a:extLst>
                   <a:ext uri="{0D108BD9-81ED-4DB2-BD59-A6C34878D82A}">
-                    <a16:rowId xmlns:a16="http://schemas.microsoft.com/office/drawing/2014/main" xmlns="" val="2060550516"/>
+                    <a16:rowId xmlns="" xmlns:a16="http://schemas.microsoft.com/office/drawing/2014/main" val="2060550516"/>
                   </a:ext>
                 </a:extLst>
               </a:tr>
@@ -7838,6 +7648,491 @@
           </a:graphicData>
         </a:graphic>
       </p:graphicFrame>
+      <p:pic>
+        <p:nvPicPr>
+          <p:cNvPr id="5" name="Picture 2"/>
+          <p:cNvPicPr>
+            <a:picLocks noChangeAspect="1" noChangeArrowheads="1"/>
+          </p:cNvPicPr>
+          <p:nvPr/>
+        </p:nvPicPr>
+        <p:blipFill>
+          <a:blip r:embed="rId3"/>
+          <a:srcRect l="21932" t="55603" r="52138" b="10776"/>
+          <a:stretch>
+            <a:fillRect/>
+          </a:stretch>
+        </p:blipFill>
+        <p:spPr bwMode="auto">
+          <a:xfrm>
+            <a:off x="5258555" y="889554"/>
+            <a:ext cx="3279227" cy="2390465"/>
+          </a:xfrm>
+          <a:prstGeom prst="rect">
+            <a:avLst/>
+          </a:prstGeom>
+          <a:noFill/>
+          <a:ln w="9525">
+            <a:noFill/>
+            <a:miter lim="800000"/>
+            <a:headEnd/>
+            <a:tailEnd/>
+          </a:ln>
+          <a:effectLst/>
+        </p:spPr>
+      </p:pic>
+      <p:sp>
+        <p:nvSpPr>
+          <p:cNvPr id="6" name="Google Shape;148;p23"/>
+          <p:cNvSpPr txBox="1">
+            <a:spLocks/>
+          </p:cNvSpPr>
+          <p:nvPr/>
+        </p:nvSpPr>
+        <p:spPr>
+          <a:xfrm>
+            <a:off x="5160348" y="499959"/>
+            <a:ext cx="2458800" cy="572700"/>
+          </a:xfrm>
+          <a:prstGeom prst="rect">
+            <a:avLst/>
+          </a:prstGeom>
+          <a:noFill/>
+          <a:ln>
+            <a:noFill/>
+          </a:ln>
+        </p:spPr>
+        <p:txBody>
+          <a:bodyPr spcFirstLastPara="1" wrap="square" lIns="91425" tIns="91425" rIns="91425" bIns="91425" anchor="b" anchorCtr="0">
+            <a:noAutofit/>
+          </a:bodyPr>
+          <a:lstStyle/>
+          <a:p>
+            <a:pPr marL="0" marR="0" lvl="0" indent="0" algn="l" defTabSz="914400" rtl="0" eaLnBrk="1" fontAlgn="auto" latinLnBrk="0" hangingPunct="1">
+              <a:lnSpc>
+                <a:spcPct val="100000"/>
+              </a:lnSpc>
+              <a:spcBef>
+                <a:spcPts val="0"/>
+              </a:spcBef>
+              <a:spcAft>
+                <a:spcPts val="0"/>
+              </a:spcAft>
+              <a:buClr>
+                <a:schemeClr val="dk1"/>
+              </a:buClr>
+              <a:buSzPts val="4200"/>
+              <a:buFont typeface="Economica"/>
+              <a:buNone/>
+              <a:tabLst/>
+              <a:defRPr/>
+            </a:pPr>
+            <a:r>
+              <a:rPr kumimoji="0" lang="en-US" sz="1800" b="0" i="0" u="none" strike="noStrike" kern="0" cap="none" spc="0" normalizeH="0" baseline="0" noProof="0" dirty="0" smtClean="0">
+                <a:ln>
+                  <a:noFill/>
+                </a:ln>
+                <a:solidFill>
+                  <a:schemeClr val="dk1"/>
+                </a:solidFill>
+                <a:effectLst/>
+                <a:uLnTx/>
+                <a:uFillTx/>
+                <a:latin typeface="Economica"/>
+                <a:ea typeface="Economica"/>
+                <a:cs typeface="Economica"/>
+                <a:sym typeface="Economica"/>
+              </a:rPr>
+              <a:t>QC Checks &amp; Issues</a:t>
+            </a:r>
+            <a:endParaRPr kumimoji="0" lang="en-US" sz="1800" b="0" i="0" u="none" strike="noStrike" kern="0" cap="none" spc="0" normalizeH="0" baseline="0" noProof="0" dirty="0">
+              <a:ln>
+                <a:noFill/>
+              </a:ln>
+              <a:solidFill>
+                <a:schemeClr val="dk1"/>
+              </a:solidFill>
+              <a:effectLst/>
+              <a:uLnTx/>
+              <a:uFillTx/>
+              <a:latin typeface="Economica"/>
+              <a:ea typeface="Economica"/>
+              <a:cs typeface="Economica"/>
+              <a:sym typeface="Economica"/>
+            </a:endParaRPr>
+          </a:p>
+        </p:txBody>
+      </p:sp>
+      <p:sp>
+        <p:nvSpPr>
+          <p:cNvPr id="7" name="Google Shape;174;p26"/>
+          <p:cNvSpPr txBox="1"/>
+          <p:nvPr/>
+        </p:nvSpPr>
+        <p:spPr>
+          <a:xfrm>
+            <a:off x="5159998" y="3140574"/>
+            <a:ext cx="3601431" cy="3616500"/>
+          </a:xfrm>
+          <a:prstGeom prst="rect">
+            <a:avLst/>
+          </a:prstGeom>
+          <a:noFill/>
+          <a:ln>
+            <a:noFill/>
+          </a:ln>
+        </p:spPr>
+        <p:txBody>
+          <a:bodyPr spcFirstLastPara="1" wrap="square" lIns="91425" tIns="91425" rIns="91425" bIns="91425" anchor="t" anchorCtr="0">
+            <a:noAutofit/>
+          </a:bodyPr>
+          <a:lstStyle/>
+          <a:p>
+            <a:pPr marL="0" lvl="0" indent="0" algn="l" rtl="0">
+              <a:lnSpc>
+                <a:spcPct val="100000"/>
+              </a:lnSpc>
+              <a:spcBef>
+                <a:spcPts val="600"/>
+              </a:spcBef>
+              <a:spcAft>
+                <a:spcPts val="0"/>
+              </a:spcAft>
+              <a:buNone/>
+            </a:pPr>
+            <a:r>
+              <a:rPr lang="en-US" sz="1100" dirty="0" smtClean="0"/>
+              <a:t>- Historical 6m Data particularly relating to Rolls Back and Roll Forwards was found to be inconsistent/incomplete. </a:t>
+            </a:r>
+          </a:p>
+          <a:p>
+            <a:pPr lvl="0">
+              <a:spcBef>
+                <a:spcPts val="600"/>
+              </a:spcBef>
+              <a:buFontTx/>
+              <a:buChar char="-"/>
+            </a:pPr>
+            <a:r>
+              <a:rPr lang="en-US" sz="1000" dirty="0" smtClean="0">
+                <a:solidFill>
+                  <a:schemeClr val="dk1"/>
+                </a:solidFill>
+              </a:rPr>
+              <a:t>Roll Forwards and Roll Backs </a:t>
+            </a:r>
+            <a:r>
+              <a:rPr lang="en-US" sz="1000" dirty="0" smtClean="0">
+                <a:solidFill>
+                  <a:schemeClr val="dk1"/>
+                </a:solidFill>
+              </a:rPr>
+              <a:t>were recalculated </a:t>
+            </a:r>
+            <a:r>
+              <a:rPr lang="en-US" sz="1000" dirty="0" smtClean="0">
+                <a:solidFill>
+                  <a:schemeClr val="dk1"/>
+                </a:solidFill>
+              </a:rPr>
+              <a:t>as “if </a:t>
+            </a:r>
+            <a:r>
+              <a:rPr lang="en-US" sz="1000" dirty="0" smtClean="0">
+                <a:solidFill>
+                  <a:schemeClr val="dk1"/>
+                </a:solidFill>
+              </a:rPr>
+              <a:t>account moves from </a:t>
+            </a:r>
+            <a:r>
+              <a:rPr lang="en-US" sz="1000" dirty="0" err="1" smtClean="0">
+                <a:solidFill>
+                  <a:schemeClr val="dk1"/>
+                </a:solidFill>
+              </a:rPr>
+              <a:t>reg</a:t>
+            </a:r>
+            <a:r>
+              <a:rPr lang="en-US" sz="1000" dirty="0" smtClean="0">
+                <a:solidFill>
+                  <a:schemeClr val="dk1"/>
+                </a:solidFill>
+              </a:rPr>
+              <a:t> to Tb0 or </a:t>
+            </a:r>
+            <a:r>
+              <a:rPr lang="en-US" sz="1000" dirty="0" err="1" smtClean="0">
+                <a:solidFill>
+                  <a:schemeClr val="dk1"/>
+                </a:solidFill>
+              </a:rPr>
+              <a:t>reg</a:t>
+            </a:r>
+            <a:r>
+              <a:rPr lang="en-US" sz="1000" dirty="0" smtClean="0">
+                <a:solidFill>
+                  <a:schemeClr val="dk1"/>
+                </a:solidFill>
+              </a:rPr>
+              <a:t> to tb1 or </a:t>
+            </a:r>
+            <a:r>
+              <a:rPr lang="en-US" sz="1000" dirty="0" err="1" smtClean="0">
+                <a:solidFill>
+                  <a:schemeClr val="dk1"/>
+                </a:solidFill>
+              </a:rPr>
+              <a:t>reg</a:t>
+            </a:r>
+            <a:r>
+              <a:rPr lang="en-US" sz="1000" dirty="0" smtClean="0">
+                <a:solidFill>
+                  <a:schemeClr val="dk1"/>
+                </a:solidFill>
+              </a:rPr>
+              <a:t> to tb2 (then they are </a:t>
+            </a:r>
+            <a:r>
+              <a:rPr lang="en-US" sz="1000" dirty="0" smtClean="0">
+                <a:solidFill>
+                  <a:schemeClr val="dk1"/>
+                </a:solidFill>
+              </a:rPr>
+              <a:t>bad </a:t>
+            </a:r>
+            <a:r>
+              <a:rPr lang="en-US" sz="1000" dirty="0" err="1" smtClean="0">
+                <a:solidFill>
+                  <a:schemeClr val="dk1"/>
+                </a:solidFill>
+              </a:rPr>
+              <a:t>ie</a:t>
+            </a:r>
+            <a:r>
+              <a:rPr lang="en-US" sz="1000" dirty="0" smtClean="0">
+                <a:solidFill>
+                  <a:schemeClr val="dk1"/>
+                </a:solidFill>
+              </a:rPr>
+              <a:t> scored as Roll forward) </a:t>
+            </a:r>
+            <a:r>
+              <a:rPr lang="en-US" sz="1000" dirty="0" smtClean="0">
+                <a:solidFill>
+                  <a:schemeClr val="dk1"/>
+                </a:solidFill>
+              </a:rPr>
+              <a:t>likewise (tb0 to tb0 and tb0 to tb1</a:t>
+            </a:r>
+            <a:r>
+              <a:rPr lang="en-US" sz="1000" dirty="0" smtClean="0">
+                <a:solidFill>
+                  <a:schemeClr val="dk1"/>
+                </a:solidFill>
+              </a:rPr>
+              <a:t>).</a:t>
+            </a:r>
+            <a:r>
+              <a:rPr lang="en-US" sz="1000" dirty="0" smtClean="0">
+                <a:solidFill>
+                  <a:schemeClr val="dk1"/>
+                </a:solidFill>
+              </a:rPr>
+              <a:t> </a:t>
+            </a:r>
+            <a:endParaRPr sz="1000">
+              <a:solidFill>
+                <a:schemeClr val="dk1"/>
+              </a:solidFill>
+            </a:endParaRPr>
+          </a:p>
+          <a:p>
+            <a:pPr marL="0" lvl="0" indent="0" algn="l" rtl="0">
+              <a:lnSpc>
+                <a:spcPct val="100000"/>
+              </a:lnSpc>
+              <a:spcBef>
+                <a:spcPts val="0"/>
+              </a:spcBef>
+              <a:spcAft>
+                <a:spcPts val="0"/>
+              </a:spcAft>
+              <a:buNone/>
+            </a:pPr>
+            <a:endParaRPr sz="1000"/>
+          </a:p>
+          <a:p>
+            <a:pPr marL="0" lvl="0" indent="0" algn="l" rtl="0">
+              <a:spcBef>
+                <a:spcPts val="0"/>
+              </a:spcBef>
+              <a:spcAft>
+                <a:spcPts val="0"/>
+              </a:spcAft>
+              <a:buNone/>
+            </a:pPr>
+            <a:r>
+              <a:rPr lang="en" sz="1000" dirty="0">
+                <a:solidFill>
+                  <a:schemeClr val="dk1"/>
+                </a:solidFill>
+              </a:rPr>
+              <a:t>  </a:t>
+            </a:r>
+            <a:endParaRPr sz="1000">
+              <a:solidFill>
+                <a:schemeClr val="dk1"/>
+              </a:solidFill>
+            </a:endParaRPr>
+          </a:p>
+          <a:p>
+            <a:pPr marL="0" lvl="0" indent="457200" algn="l" rtl="0">
+              <a:lnSpc>
+                <a:spcPct val="100000"/>
+              </a:lnSpc>
+              <a:spcBef>
+                <a:spcPts val="0"/>
+              </a:spcBef>
+              <a:spcAft>
+                <a:spcPts val="0"/>
+              </a:spcAft>
+              <a:buNone/>
+            </a:pPr>
+            <a:r>
+              <a:rPr lang="en" sz="1000" dirty="0"/>
+              <a:t> </a:t>
+            </a:r>
+            <a:endParaRPr sz="1000"/>
+          </a:p>
+          <a:p>
+            <a:pPr marL="0" lvl="0" indent="0" algn="l" rtl="0">
+              <a:lnSpc>
+                <a:spcPct val="100000"/>
+              </a:lnSpc>
+              <a:spcBef>
+                <a:spcPts val="0"/>
+              </a:spcBef>
+              <a:spcAft>
+                <a:spcPts val="0"/>
+              </a:spcAft>
+              <a:buNone/>
+            </a:pPr>
+            <a:endParaRPr sz="1000"/>
+          </a:p>
+          <a:p>
+            <a:pPr marL="0" lvl="0" indent="0" algn="l" rtl="0">
+              <a:lnSpc>
+                <a:spcPct val="150000"/>
+              </a:lnSpc>
+              <a:spcBef>
+                <a:spcPts val="0"/>
+              </a:spcBef>
+              <a:spcAft>
+                <a:spcPts val="0"/>
+              </a:spcAft>
+              <a:buNone/>
+            </a:pPr>
+            <a:endParaRPr sz="1000"/>
+          </a:p>
+        </p:txBody>
+      </p:sp>
+      <p:sp>
+        <p:nvSpPr>
+          <p:cNvPr id="9" name="Google Shape;148;p23"/>
+          <p:cNvSpPr txBox="1">
+            <a:spLocks/>
+          </p:cNvSpPr>
+          <p:nvPr/>
+        </p:nvSpPr>
+        <p:spPr>
+          <a:xfrm>
+            <a:off x="400505" y="492866"/>
+            <a:ext cx="2458800" cy="572700"/>
+          </a:xfrm>
+          <a:prstGeom prst="rect">
+            <a:avLst/>
+          </a:prstGeom>
+          <a:noFill/>
+          <a:ln>
+            <a:noFill/>
+          </a:ln>
+        </p:spPr>
+        <p:txBody>
+          <a:bodyPr spcFirstLastPara="1" wrap="square" lIns="91425" tIns="91425" rIns="91425" bIns="91425" anchor="b" anchorCtr="0">
+            <a:noAutofit/>
+          </a:bodyPr>
+          <a:lstStyle/>
+          <a:p>
+            <a:pPr lvl="0">
+              <a:buClr>
+                <a:schemeClr val="dk1"/>
+              </a:buClr>
+              <a:buSzPts val="4200"/>
+            </a:pPr>
+            <a:r>
+              <a:rPr lang="en-US" sz="1800" dirty="0" smtClean="0">
+                <a:solidFill>
+                  <a:schemeClr val="dk1"/>
+                </a:solidFill>
+                <a:latin typeface="Economica"/>
+                <a:ea typeface="Economica"/>
+                <a:cs typeface="Economica"/>
+                <a:sym typeface="Economica"/>
+              </a:rPr>
+              <a:t>Account Roll Forward Rate </a:t>
+            </a:r>
+            <a:endParaRPr kumimoji="0" lang="en-US" sz="1800" b="0" i="0" u="none" strike="noStrike" kern="0" cap="none" spc="0" normalizeH="0" baseline="0" noProof="0" dirty="0">
+              <a:ln>
+                <a:noFill/>
+              </a:ln>
+              <a:solidFill>
+                <a:schemeClr val="dk1"/>
+              </a:solidFill>
+              <a:effectLst/>
+              <a:uLnTx/>
+              <a:uFillTx/>
+              <a:latin typeface="Economica"/>
+              <a:ea typeface="Economica"/>
+              <a:cs typeface="Economica"/>
+              <a:sym typeface="Economica"/>
+            </a:endParaRPr>
+          </a:p>
+        </p:txBody>
+      </p:sp>
+      <p:pic>
+        <p:nvPicPr>
+          <p:cNvPr id="1026" name="Picture 2"/>
+          <p:cNvPicPr>
+            <a:picLocks noChangeAspect="1" noChangeArrowheads="1"/>
+          </p:cNvPicPr>
+          <p:nvPr/>
+        </p:nvPicPr>
+        <p:blipFill>
+          <a:blip r:embed="rId4"/>
+          <a:srcRect l="22295" t="57112" r="48988" b="22629"/>
+          <a:stretch>
+            <a:fillRect/>
+          </a:stretch>
+        </p:blipFill>
+        <p:spPr bwMode="auto">
+          <a:xfrm>
+            <a:off x="709448" y="1292772"/>
+            <a:ext cx="3736428" cy="1481959"/>
+          </a:xfrm>
+          <a:prstGeom prst="rect">
+            <a:avLst/>
+          </a:prstGeom>
+          <a:noFill/>
+          <a:ln w="9525">
+            <a:noFill/>
+            <a:miter lim="800000"/>
+            <a:headEnd/>
+            <a:tailEnd/>
+          </a:ln>
+          <a:effectLst/>
+        </p:spPr>
+      </p:pic>
     </p:spTree>
   </p:cSld>
   <p:clrMapOvr>
@@ -7870,81 +8165,6 @@
           <a:chExt cx="0" cy="0"/>
         </a:xfrm>
       </p:grpSpPr>
-      <p:pic>
-        <p:nvPicPr>
-          <p:cNvPr id="3074" name="Picture 2"/>
-          <p:cNvPicPr>
-            <a:picLocks noChangeAspect="1" noChangeArrowheads="1"/>
-          </p:cNvPicPr>
-          <p:nvPr/>
-        </p:nvPicPr>
-        <p:blipFill>
-          <a:blip r:embed="rId3"/>
-          <a:srcRect l="21932" t="55603" r="52138" b="10776"/>
-          <a:stretch>
-            <a:fillRect/>
-          </a:stretch>
-        </p:blipFill>
-        <p:spPr bwMode="auto">
-          <a:xfrm>
-            <a:off x="409907" y="878921"/>
-            <a:ext cx="3279227" cy="2390465"/>
-          </a:xfrm>
-          <a:prstGeom prst="rect">
-            <a:avLst/>
-          </a:prstGeom>
-          <a:noFill/>
-          <a:ln w="9525">
-            <a:noFill/>
-            <a:miter lim="800000"/>
-            <a:headEnd/>
-            <a:tailEnd/>
-          </a:ln>
-          <a:effectLst/>
-        </p:spPr>
-      </p:pic>
-      <p:sp>
-        <p:nvSpPr>
-          <p:cNvPr id="148" name="Google Shape;148;p23"/>
-          <p:cNvSpPr txBox="1">
-            <a:spLocks noGrp="1"/>
-          </p:cNvSpPr>
-          <p:nvPr>
-            <p:ph type="title"/>
-          </p:nvPr>
-        </p:nvSpPr>
-        <p:spPr>
-          <a:xfrm>
-            <a:off x="311700" y="521225"/>
-            <a:ext cx="2458800" cy="572700"/>
-          </a:xfrm>
-          <a:prstGeom prst="rect">
-            <a:avLst/>
-          </a:prstGeom>
-        </p:spPr>
-        <p:txBody>
-          <a:bodyPr spcFirstLastPara="1" wrap="square" lIns="91425" tIns="91425" rIns="91425" bIns="91425" anchor="b" anchorCtr="0">
-            <a:noAutofit/>
-          </a:bodyPr>
-          <a:lstStyle/>
-          <a:p>
-            <a:pPr marL="0" lvl="0" indent="0" algn="l" rtl="0">
-              <a:spcBef>
-                <a:spcPts val="0"/>
-              </a:spcBef>
-              <a:spcAft>
-                <a:spcPts val="0"/>
-              </a:spcAft>
-              <a:buNone/>
-            </a:pPr>
-            <a:r>
-              <a:rPr lang="en" sz="1800" dirty="0" smtClean="0"/>
-              <a:t>QC Checks &amp; Issues</a:t>
-            </a:r>
-            <a:endParaRPr sz="1800"/>
-          </a:p>
-        </p:txBody>
-      </p:sp>
       <p:sp>
         <p:nvSpPr>
           <p:cNvPr id="150" name="Google Shape;150;p23"/>
@@ -8074,7 +8294,7 @@
           <p:cNvPr id="13" name="Table 12">
             <a:extLst>
               <a:ext uri="{FF2B5EF4-FFF2-40B4-BE49-F238E27FC236}">
-                <a16:creationId xmlns:a16="http://schemas.microsoft.com/office/drawing/2014/main" xmlns="" id="{A57B0D56-578E-7C47-8E69-EEB60709BD11}"/>
+                <a16:creationId xmlns="" xmlns:a16="http://schemas.microsoft.com/office/drawing/2014/main" id="{A57B0D56-578E-7C47-8E69-EEB60709BD11}"/>
               </a:ext>
             </a:extLst>
           </p:cNvPr>
@@ -8084,7 +8304,7 @@
           <p:nvPr>
             <p:extLst>
               <p:ext uri="{D42A27DB-BD31-4B8C-83A1-F6EECF244321}">
-                <p14:modId xmlns:p14="http://schemas.microsoft.com/office/powerpoint/2010/main" xmlns="" val="3771771067"/>
+                <p14:modId xmlns="" xmlns:p14="http://schemas.microsoft.com/office/powerpoint/2010/main" val="3771771067"/>
               </p:ext>
             </p:extLst>
           </p:nvPr>
@@ -8101,28 +8321,28 @@
                 <a:gridCol w="646788">
                   <a:extLst>
                     <a:ext uri="{9D8B030D-6E8A-4147-A177-3AD203B41FA5}">
-                      <a16:colId xmlns:a16="http://schemas.microsoft.com/office/drawing/2014/main" xmlns="" val="3339747500"/>
+                      <a16:colId xmlns="" xmlns:a16="http://schemas.microsoft.com/office/drawing/2014/main" val="3339747500"/>
                     </a:ext>
                   </a:extLst>
                 </a:gridCol>
                 <a:gridCol w="938520">
                   <a:extLst>
                     <a:ext uri="{9D8B030D-6E8A-4147-A177-3AD203B41FA5}">
-                      <a16:colId xmlns:a16="http://schemas.microsoft.com/office/drawing/2014/main" xmlns="" val="2171048418"/>
+                      <a16:colId xmlns="" xmlns:a16="http://schemas.microsoft.com/office/drawing/2014/main" val="2171048418"/>
                     </a:ext>
                   </a:extLst>
                 </a:gridCol>
                 <a:gridCol w="977465">
                   <a:extLst>
                     <a:ext uri="{9D8B030D-6E8A-4147-A177-3AD203B41FA5}">
-                      <a16:colId xmlns:a16="http://schemas.microsoft.com/office/drawing/2014/main" xmlns="" val="505646319"/>
+                      <a16:colId xmlns="" xmlns:a16="http://schemas.microsoft.com/office/drawing/2014/main" val="505646319"/>
                     </a:ext>
                   </a:extLst>
                 </a:gridCol>
                 <a:gridCol w="985820">
                   <a:extLst>
                     <a:ext uri="{9D8B030D-6E8A-4147-A177-3AD203B41FA5}">
-                      <a16:colId xmlns:a16="http://schemas.microsoft.com/office/drawing/2014/main" xmlns="" val="3552967369"/>
+                      <a16:colId xmlns="" xmlns:a16="http://schemas.microsoft.com/office/drawing/2014/main" val="3552967369"/>
                     </a:ext>
                   </a:extLst>
                 </a:gridCol>
@@ -8328,7 +8548,7 @@
                 </a:tc>
                 <a:extLst>
                   <a:ext uri="{0D108BD9-81ED-4DB2-BD59-A6C34878D82A}">
-                    <a16:rowId xmlns:a16="http://schemas.microsoft.com/office/drawing/2014/main" xmlns="" val="1760265559"/>
+                    <a16:rowId xmlns="" xmlns:a16="http://schemas.microsoft.com/office/drawing/2014/main" val="1760265559"/>
                   </a:ext>
                 </a:extLst>
               </a:tr>
@@ -8425,7 +8645,7 @@
                 </a:tc>
                 <a:extLst>
                   <a:ext uri="{0D108BD9-81ED-4DB2-BD59-A6C34878D82A}">
-                    <a16:rowId xmlns:a16="http://schemas.microsoft.com/office/drawing/2014/main" xmlns="" val="227676264"/>
+                    <a16:rowId xmlns="" xmlns:a16="http://schemas.microsoft.com/office/drawing/2014/main" val="227676264"/>
                   </a:ext>
                 </a:extLst>
               </a:tr>
@@ -8660,7 +8880,7 @@
                 </a:tc>
                 <a:extLst>
                   <a:ext uri="{0D108BD9-81ED-4DB2-BD59-A6C34878D82A}">
-                    <a16:rowId xmlns:a16="http://schemas.microsoft.com/office/drawing/2014/main" xmlns="" val="1329572266"/>
+                    <a16:rowId xmlns="" xmlns:a16="http://schemas.microsoft.com/office/drawing/2014/main" val="1329572266"/>
                   </a:ext>
                 </a:extLst>
               </a:tr>
@@ -8895,7 +9115,7 @@
                 </a:tc>
                 <a:extLst>
                   <a:ext uri="{0D108BD9-81ED-4DB2-BD59-A6C34878D82A}">
-                    <a16:rowId xmlns:a16="http://schemas.microsoft.com/office/drawing/2014/main" xmlns="" val="2157716161"/>
+                    <a16:rowId xmlns="" xmlns:a16="http://schemas.microsoft.com/office/drawing/2014/main" val="2157716161"/>
                   </a:ext>
                 </a:extLst>
               </a:tr>
@@ -9130,7 +9350,7 @@
                 </a:tc>
                 <a:extLst>
                   <a:ext uri="{0D108BD9-81ED-4DB2-BD59-A6C34878D82A}">
-                    <a16:rowId xmlns:a16="http://schemas.microsoft.com/office/drawing/2014/main" xmlns="" val="2060550516"/>
+                    <a16:rowId xmlns="" xmlns:a16="http://schemas.microsoft.com/office/drawing/2014/main" val="2060550516"/>
                   </a:ext>
                 </a:extLst>
               </a:tr>
@@ -9143,7 +9363,7 @@
           <p:cNvPr id="16" name="Content Placeholder 3">
             <a:extLst>
               <a:ext uri="{FF2B5EF4-FFF2-40B4-BE49-F238E27FC236}">
-                <a16:creationId xmlns:a16="http://schemas.microsoft.com/office/drawing/2014/main" xmlns="" id="{DF7BD9B2-D8FC-514E-91B1-32C54AF2EE6F}"/>
+                <a16:creationId xmlns="" xmlns:a16="http://schemas.microsoft.com/office/drawing/2014/main" id="{DF7BD9B2-D8FC-514E-91B1-32C54AF2EE6F}"/>
               </a:ext>
             </a:extLst>
           </p:cNvPr>
@@ -9153,7 +9373,7 @@
           <p:nvPr>
             <p:extLst>
               <p:ext uri="{D42A27DB-BD31-4B8C-83A1-F6EECF244321}">
-                <p14:modId xmlns:p14="http://schemas.microsoft.com/office/powerpoint/2010/main" xmlns="" val="3503117898"/>
+                <p14:modId xmlns="" xmlns:p14="http://schemas.microsoft.com/office/powerpoint/2010/main" val="3503117898"/>
               </p:ext>
             </p:extLst>
           </p:nvPr>
@@ -9170,63 +9390,63 @@
                 <a:gridCol w="245911">
                   <a:extLst>
                     <a:ext uri="{9D8B030D-6E8A-4147-A177-3AD203B41FA5}">
-                      <a16:colId xmlns:a16="http://schemas.microsoft.com/office/drawing/2014/main" xmlns="" val="2490510637"/>
+                      <a16:colId xmlns="" xmlns:a16="http://schemas.microsoft.com/office/drawing/2014/main" val="2490510637"/>
                     </a:ext>
                   </a:extLst>
                 </a:gridCol>
                 <a:gridCol w="567578">
                   <a:extLst>
                     <a:ext uri="{9D8B030D-6E8A-4147-A177-3AD203B41FA5}">
-                      <a16:colId xmlns:a16="http://schemas.microsoft.com/office/drawing/2014/main" xmlns="" val="1141885864"/>
+                      <a16:colId xmlns="" xmlns:a16="http://schemas.microsoft.com/office/drawing/2014/main" val="1141885864"/>
                     </a:ext>
                   </a:extLst>
                 </a:gridCol>
                 <a:gridCol w="461053">
                   <a:extLst>
                     <a:ext uri="{9D8B030D-6E8A-4147-A177-3AD203B41FA5}">
-                      <a16:colId xmlns:a16="http://schemas.microsoft.com/office/drawing/2014/main" xmlns="" val="2846577144"/>
+                      <a16:colId xmlns="" xmlns:a16="http://schemas.microsoft.com/office/drawing/2014/main" val="2846577144"/>
                     </a:ext>
                   </a:extLst>
                 </a:gridCol>
                 <a:gridCol w="559028">
                   <a:extLst>
                     <a:ext uri="{9D8B030D-6E8A-4147-A177-3AD203B41FA5}">
-                      <a16:colId xmlns:a16="http://schemas.microsoft.com/office/drawing/2014/main" xmlns="" val="736432959"/>
+                      <a16:colId xmlns="" xmlns:a16="http://schemas.microsoft.com/office/drawing/2014/main" val="736432959"/>
                     </a:ext>
                   </a:extLst>
                 </a:gridCol>
                 <a:gridCol w="449528">
                   <a:extLst>
                     <a:ext uri="{9D8B030D-6E8A-4147-A177-3AD203B41FA5}">
-                      <a16:colId xmlns:a16="http://schemas.microsoft.com/office/drawing/2014/main" xmlns="" val="3701445170"/>
+                      <a16:colId xmlns="" xmlns:a16="http://schemas.microsoft.com/office/drawing/2014/main" val="3701445170"/>
                     </a:ext>
                   </a:extLst>
                 </a:gridCol>
                 <a:gridCol w="518686">
                   <a:extLst>
                     <a:ext uri="{9D8B030D-6E8A-4147-A177-3AD203B41FA5}">
-                      <a16:colId xmlns:a16="http://schemas.microsoft.com/office/drawing/2014/main" xmlns="" val="2988564765"/>
+                      <a16:colId xmlns="" xmlns:a16="http://schemas.microsoft.com/office/drawing/2014/main" val="2988564765"/>
                     </a:ext>
                   </a:extLst>
                 </a:gridCol>
                 <a:gridCol w="409185">
                   <a:extLst>
                     <a:ext uri="{9D8B030D-6E8A-4147-A177-3AD203B41FA5}">
-                      <a16:colId xmlns:a16="http://schemas.microsoft.com/office/drawing/2014/main" xmlns="" val="1141725233"/>
+                      <a16:colId xmlns="" xmlns:a16="http://schemas.microsoft.com/office/drawing/2014/main" val="1141725233"/>
                     </a:ext>
                   </a:extLst>
                 </a:gridCol>
                 <a:gridCol w="391897">
                   <a:extLst>
                     <a:ext uri="{9D8B030D-6E8A-4147-A177-3AD203B41FA5}">
-                      <a16:colId xmlns:a16="http://schemas.microsoft.com/office/drawing/2014/main" xmlns="" val="1756584435"/>
+                      <a16:colId xmlns="" xmlns:a16="http://schemas.microsoft.com/office/drawing/2014/main" val="1756584435"/>
                     </a:ext>
                   </a:extLst>
                 </a:gridCol>
                 <a:gridCol w="420711">
                   <a:extLst>
                     <a:ext uri="{9D8B030D-6E8A-4147-A177-3AD203B41FA5}">
-                      <a16:colId xmlns:a16="http://schemas.microsoft.com/office/drawing/2014/main" xmlns="" val="370625231"/>
+                      <a16:colId xmlns="" xmlns:a16="http://schemas.microsoft.com/office/drawing/2014/main" val="370625231"/>
                     </a:ext>
                   </a:extLst>
                 </a:gridCol>
@@ -9745,7 +9965,7 @@
                 </a:tc>
                 <a:extLst>
                   <a:ext uri="{0D108BD9-81ED-4DB2-BD59-A6C34878D82A}">
-                    <a16:rowId xmlns:a16="http://schemas.microsoft.com/office/drawing/2014/main" xmlns="" val="3213435354"/>
+                    <a16:rowId xmlns="" xmlns:a16="http://schemas.microsoft.com/office/drawing/2014/main" val="3213435354"/>
                   </a:ext>
                 </a:extLst>
               </a:tr>
@@ -9961,7 +10181,7 @@
                 </a:tc>
                 <a:extLst>
                   <a:ext uri="{0D108BD9-81ED-4DB2-BD59-A6C34878D82A}">
-                    <a16:rowId xmlns:a16="http://schemas.microsoft.com/office/drawing/2014/main" xmlns="" val="1680588813"/>
+                    <a16:rowId xmlns="" xmlns:a16="http://schemas.microsoft.com/office/drawing/2014/main" val="1680588813"/>
                   </a:ext>
                 </a:extLst>
               </a:tr>
@@ -10390,7 +10610,7 @@
                 </a:tc>
                 <a:extLst>
                   <a:ext uri="{0D108BD9-81ED-4DB2-BD59-A6C34878D82A}">
-                    <a16:rowId xmlns:a16="http://schemas.microsoft.com/office/drawing/2014/main" xmlns="" val="385880425"/>
+                    <a16:rowId xmlns="" xmlns:a16="http://schemas.microsoft.com/office/drawing/2014/main" val="385880425"/>
                   </a:ext>
                 </a:extLst>
               </a:tr>
@@ -10771,7 +10991,7 @@
                 </a:tc>
                 <a:extLst>
                   <a:ext uri="{0D108BD9-81ED-4DB2-BD59-A6C34878D82A}">
-                    <a16:rowId xmlns:a16="http://schemas.microsoft.com/office/drawing/2014/main" xmlns="" val="2164825074"/>
+                    <a16:rowId xmlns="" xmlns:a16="http://schemas.microsoft.com/office/drawing/2014/main" val="2164825074"/>
                   </a:ext>
                 </a:extLst>
               </a:tr>
@@ -11152,7 +11372,7 @@
                 </a:tc>
                 <a:extLst>
                   <a:ext uri="{0D108BD9-81ED-4DB2-BD59-A6C34878D82A}">
-                    <a16:rowId xmlns:a16="http://schemas.microsoft.com/office/drawing/2014/main" xmlns="" val="4208753233"/>
+                    <a16:rowId xmlns="" xmlns:a16="http://schemas.microsoft.com/office/drawing/2014/main" val="4208753233"/>
                   </a:ext>
                 </a:extLst>
               </a:tr>
@@ -11533,7 +11753,7 @@
                 </a:tc>
                 <a:extLst>
                   <a:ext uri="{0D108BD9-81ED-4DB2-BD59-A6C34878D82A}">
-                    <a16:rowId xmlns:a16="http://schemas.microsoft.com/office/drawing/2014/main" xmlns="" val="2429327641"/>
+                    <a16:rowId xmlns="" xmlns:a16="http://schemas.microsoft.com/office/drawing/2014/main" val="2429327641"/>
                   </a:ext>
                 </a:extLst>
               </a:tr>
@@ -11962,7 +12182,7 @@
                 </a:tc>
                 <a:extLst>
                   <a:ext uri="{0D108BD9-81ED-4DB2-BD59-A6C34878D82A}">
-                    <a16:rowId xmlns:a16="http://schemas.microsoft.com/office/drawing/2014/main" xmlns="" val="781881754"/>
+                    <a16:rowId xmlns="" xmlns:a16="http://schemas.microsoft.com/office/drawing/2014/main" val="781881754"/>
                   </a:ext>
                 </a:extLst>
               </a:tr>
@@ -12512,7 +12732,7 @@
                 </a:tc>
                 <a:extLst>
                   <a:ext uri="{0D108BD9-81ED-4DB2-BD59-A6C34878D82A}">
-                    <a16:rowId xmlns:a16="http://schemas.microsoft.com/office/drawing/2014/main" xmlns="" val="3539218500"/>
+                    <a16:rowId xmlns="" xmlns:a16="http://schemas.microsoft.com/office/drawing/2014/main" val="3539218500"/>
                   </a:ext>
                 </a:extLst>
               </a:tr>
@@ -12941,7 +13161,7 @@
                 </a:tc>
                 <a:extLst>
                   <a:ext uri="{0D108BD9-81ED-4DB2-BD59-A6C34878D82A}">
-                    <a16:rowId xmlns:a16="http://schemas.microsoft.com/office/drawing/2014/main" xmlns="" val="1661717561"/>
+                    <a16:rowId xmlns="" xmlns:a16="http://schemas.microsoft.com/office/drawing/2014/main" val="1661717561"/>
                   </a:ext>
                 </a:extLst>
               </a:tr>
@@ -13322,7 +13542,7 @@
                 </a:tc>
                 <a:extLst>
                   <a:ext uri="{0D108BD9-81ED-4DB2-BD59-A6C34878D82A}">
-                    <a16:rowId xmlns:a16="http://schemas.microsoft.com/office/drawing/2014/main" xmlns="" val="819279476"/>
+                    <a16:rowId xmlns="" xmlns:a16="http://schemas.microsoft.com/office/drawing/2014/main" val="819279476"/>
                   </a:ext>
                 </a:extLst>
               </a:tr>
@@ -13703,7 +13923,7 @@
                 </a:tc>
                 <a:extLst>
                   <a:ext uri="{0D108BD9-81ED-4DB2-BD59-A6C34878D82A}">
-                    <a16:rowId xmlns:a16="http://schemas.microsoft.com/office/drawing/2014/main" xmlns="" val="835629642"/>
+                    <a16:rowId xmlns="" xmlns:a16="http://schemas.microsoft.com/office/drawing/2014/main" val="835629642"/>
                   </a:ext>
                 </a:extLst>
               </a:tr>
@@ -14084,7 +14304,7 @@
                 </a:tc>
                 <a:extLst>
                   <a:ext uri="{0D108BD9-81ED-4DB2-BD59-A6C34878D82A}">
-                    <a16:rowId xmlns:a16="http://schemas.microsoft.com/office/drawing/2014/main" xmlns="" val="3763058714"/>
+                    <a16:rowId xmlns="" xmlns:a16="http://schemas.microsoft.com/office/drawing/2014/main" val="3763058714"/>
                   </a:ext>
                 </a:extLst>
               </a:tr>
@@ -14513,7 +14733,7 @@
                 </a:tc>
                 <a:extLst>
                   <a:ext uri="{0D108BD9-81ED-4DB2-BD59-A6C34878D82A}">
-                    <a16:rowId xmlns:a16="http://schemas.microsoft.com/office/drawing/2014/main" xmlns="" val="1462665552"/>
+                    <a16:rowId xmlns="" xmlns:a16="http://schemas.microsoft.com/office/drawing/2014/main" val="1462665552"/>
                   </a:ext>
                 </a:extLst>
               </a:tr>
@@ -14529,8 +14749,8 @@
         </p:nvSpPr>
         <p:spPr>
           <a:xfrm>
-            <a:off x="209467" y="3301925"/>
-            <a:ext cx="4141819" cy="3616500"/>
+            <a:off x="315794" y="835172"/>
+            <a:ext cx="3320542" cy="3616500"/>
           </a:xfrm>
           <a:prstGeom prst="rect">
             <a:avLst/>
@@ -14548,7 +14768,7 @@
           <a:p>
             <a:pPr lvl="0"/>
             <a:r>
-              <a:rPr lang="en-US" sz="1000" b="1" dirty="0" smtClean="0"/>
+              <a:rPr lang="en-US" sz="1200" b="1" dirty="0" smtClean="0"/>
               <a:t>Correlation between principal balance and term: -0.551402</a:t>
             </a:r>
           </a:p>
@@ -14565,12 +14785,12 @@
               </a:spcAft>
               <a:buNone/>
             </a:pPr>
-            <a:endParaRPr sz="1000" b="1"/>
+            <a:endParaRPr sz="1200" b="1"/>
           </a:p>
           <a:p>
             <a:pPr lvl="0"/>
             <a:r>
-              <a:rPr lang="en-US" sz="1000" dirty="0" smtClean="0"/>
+              <a:rPr lang="en-US" sz="1200" dirty="0" smtClean="0"/>
               <a:t>If we estimate the absolute correlation value as being moderate if it falls between 0.5 and 0.7, we can conclude that there is a moderate correlation between term completed and principal balance. In addition as this is a negative value, we conclude that this is a negative relationship, meaning as there is an increase in one variable there is a decrease in the other and vice-versa.</a:t>
             </a:r>
           </a:p>
@@ -15023,105 +15243,6 @@
           </a:p>
         </p:txBody>
       </p:sp>
-      <p:pic>
-        <p:nvPicPr>
-          <p:cNvPr id="2" name="Picture 2"/>
-          <p:cNvPicPr>
-            <a:picLocks noChangeAspect="1" noChangeArrowheads="1"/>
-          </p:cNvPicPr>
-          <p:nvPr/>
-        </p:nvPicPr>
-        <p:blipFill>
-          <a:blip r:embed="rId4"/>
-          <a:srcRect l="23991" t="73491" r="50563" b="13147"/>
-          <a:stretch>
-            <a:fillRect/>
-          </a:stretch>
-        </p:blipFill>
-        <p:spPr bwMode="auto">
-          <a:xfrm>
-            <a:off x="4524703" y="3610303"/>
-            <a:ext cx="4004442" cy="1182264"/>
-          </a:xfrm>
-          <a:prstGeom prst="rect">
-            <a:avLst/>
-          </a:prstGeom>
-          <a:noFill/>
-          <a:ln w="9525">
-            <a:noFill/>
-            <a:miter lim="800000"/>
-            <a:headEnd/>
-            <a:tailEnd/>
-          </a:ln>
-          <a:effectLst/>
-        </p:spPr>
-      </p:pic>
-      <p:pic>
-        <p:nvPicPr>
-          <p:cNvPr id="1027" name="Picture 3"/>
-          <p:cNvPicPr>
-            <a:picLocks noChangeAspect="1" noChangeArrowheads="1"/>
-          </p:cNvPicPr>
-          <p:nvPr/>
-        </p:nvPicPr>
-        <p:blipFill>
-          <a:blip r:embed="rId5"/>
-          <a:srcRect l="22416" t="22629" r="36144" b="6250"/>
-          <a:stretch>
-            <a:fillRect/>
-          </a:stretch>
-        </p:blipFill>
-        <p:spPr bwMode="auto">
-          <a:xfrm>
-            <a:off x="220716" y="1024757"/>
-            <a:ext cx="3988676" cy="3848722"/>
-          </a:xfrm>
-          <a:prstGeom prst="rect">
-            <a:avLst/>
-          </a:prstGeom>
-          <a:noFill/>
-          <a:ln w="9525">
-            <a:noFill/>
-            <a:miter lim="800000"/>
-            <a:headEnd/>
-            <a:tailEnd/>
-          </a:ln>
-          <a:effectLst/>
-        </p:spPr>
-      </p:pic>
-      <p:pic>
-        <p:nvPicPr>
-          <p:cNvPr id="3" name="Picture 4"/>
-          <p:cNvPicPr>
-            <a:picLocks noChangeAspect="1" noChangeArrowheads="1"/>
-          </p:cNvPicPr>
-          <p:nvPr/>
-        </p:nvPicPr>
-        <p:blipFill>
-          <a:blip r:embed="rId6"/>
-          <a:srcRect l="22131" t="44585" r="41155" b="27613"/>
-          <a:stretch>
-            <a:fillRect/>
-          </a:stretch>
-        </p:blipFill>
-        <p:spPr bwMode="auto">
-          <a:xfrm>
-            <a:off x="5092263" y="1855959"/>
-            <a:ext cx="3358054" cy="1429667"/>
-          </a:xfrm>
-          <a:prstGeom prst="rect">
-            <a:avLst/>
-          </a:prstGeom>
-          <a:noFill/>
-          <a:ln w="9525">
-            <a:noFill/>
-            <a:miter lim="800000"/>
-            <a:headEnd/>
-            <a:tailEnd/>
-          </a:ln>
-          <a:effectLst/>
-        </p:spPr>
-      </p:pic>
     </p:spTree>
   </p:cSld>
   <p:clrMapOvr>
@@ -15342,15 +15463,7 @@
                   <a:schemeClr val="dk1"/>
                 </a:solidFill>
               </a:rPr>
-              <a:t>efinition and features of target </a:t>
-            </a:r>
-            <a:r>
-              <a:rPr lang="en" sz="1100" dirty="0" smtClean="0">
-                <a:solidFill>
-                  <a:schemeClr val="dk1"/>
-                </a:solidFill>
-              </a:rPr>
-              <a:t> variable in light of the sampling methodology...</a:t>
+              <a:t>efinition and features of target  variable in light of the sampling methodology...</a:t>
             </a:r>
           </a:p>
           <a:p>
